--- a/Demostracion/Proyecto Multiagentes Presentacion.pptx
+++ b/Demostracion/Proyecto Multiagentes Presentacion.pptx
@@ -12,18 +12,19 @@
     <p:sldId id="257" r:id="rId7"/>
     <p:sldId id="258" r:id="rId8"/>
     <p:sldId id="259" r:id="rId9"/>
+    <p:sldId id="260" r:id="rId10"/>
+    <p:sldId id="261" r:id="rId11"/>
+    <p:sldId id="262" r:id="rId12"/>
   </p:sldIdLst>
   <p:sldSz cy="5143500" cx="9144000"/>
   <p:notesSz cx="6858000" cy="9144000"/>
   <p:embeddedFontLst>
     <p:embeddedFont>
-      <p:font typeface="Average"/>
-      <p:regular r:id="rId10"/>
-    </p:embeddedFont>
-    <p:embeddedFont>
-      <p:font typeface="Oswald"/>
-      <p:regular r:id="rId11"/>
-      <p:bold r:id="rId12"/>
+      <p:font typeface="Proxima Nova"/>
+      <p:regular r:id="rId13"/>
+      <p:bold r:id="rId14"/>
+      <p:italic r:id="rId15"/>
+      <p:boldItalic r:id="rId16"/>
     </p:embeddedFont>
   </p:embeddedFontLst>
   <p:defaultTextStyle>
@@ -818,7 +819,7 @@
       </p:grpSpPr>
       <p:sp>
         <p:nvSpPr>
-          <p:cNvPr id="62" name="Google Shape;62;gecc9f6615c_0_69:notes"/>
+          <p:cNvPr id="62" name="Google Shape;62;gecc9f6615c_5_5:notes"/>
           <p:cNvSpPr/>
           <p:nvPr>
             <p:ph idx="2" type="sldImg"/>
@@ -853,7 +854,7 @@
       </p:sp>
       <p:sp>
         <p:nvSpPr>
-          <p:cNvPr id="63" name="Google Shape;63;gecc9f6615c_0_69:notes"/>
+          <p:cNvPr id="63" name="Google Shape;63;gecc9f6615c_5_5:notes"/>
           <p:cNvSpPr txBox="1"/>
           <p:nvPr>
             <p:ph idx="1" type="body"/>
@@ -903,7 +904,7 @@
   <p:cSld>
     <p:spTree>
       <p:nvGrpSpPr>
-        <p:cNvPr id="67" name="Shape 67"/>
+        <p:cNvPr id="68" name="Shape 68"/>
         <p:cNvGrpSpPr/>
         <p:nvPr/>
       </p:nvGrpSpPr>
@@ -917,7 +918,7 @@
       </p:grpSpPr>
       <p:sp>
         <p:nvSpPr>
-          <p:cNvPr id="68" name="Google Shape;68;gecc9f6615c_0_52:notes"/>
+          <p:cNvPr id="69" name="Google Shape;69;gecc9f6615c_0_69:notes"/>
           <p:cNvSpPr/>
           <p:nvPr>
             <p:ph idx="2" type="sldImg"/>
@@ -952,7 +953,7 @@
       </p:sp>
       <p:sp>
         <p:nvSpPr>
-          <p:cNvPr id="69" name="Google Shape;69;gecc9f6615c_0_52:notes"/>
+          <p:cNvPr id="70" name="Google Shape;70;gecc9f6615c_0_69:notes"/>
           <p:cNvSpPr txBox="1"/>
           <p:nvPr>
             <p:ph idx="1" type="body"/>
@@ -1002,7 +1003,7 @@
   <p:cSld>
     <p:spTree>
       <p:nvGrpSpPr>
-        <p:cNvPr id="73" name="Shape 73"/>
+        <p:cNvPr id="74" name="Shape 74"/>
         <p:cNvGrpSpPr/>
         <p:nvPr/>
       </p:nvGrpSpPr>
@@ -1016,7 +1017,7 @@
       </p:grpSpPr>
       <p:sp>
         <p:nvSpPr>
-          <p:cNvPr id="74" name="Google Shape;74;gecc9f6615c_0_57:notes"/>
+          <p:cNvPr id="75" name="Google Shape;75;gecc9f6615c_0_52:notes"/>
           <p:cNvSpPr/>
           <p:nvPr>
             <p:ph idx="2" type="sldImg"/>
@@ -1051,7 +1052,7 @@
       </p:sp>
       <p:sp>
         <p:nvSpPr>
-          <p:cNvPr id="75" name="Google Shape;75;gecc9f6615c_0_57:notes"/>
+          <p:cNvPr id="76" name="Google Shape;76;gecc9f6615c_0_52:notes"/>
           <p:cNvSpPr txBox="1"/>
           <p:nvPr>
             <p:ph idx="1" type="body"/>
@@ -1096,9 +1097,313 @@
 </p:notes>
 </file>
 
+<file path=ppt/notesSlides/notesSlide5.xml><?xml version="1.0" encoding="utf-8"?>
+<p:notes xmlns:a="http://schemas.openxmlformats.org/drawingml/2006/main" xmlns:r="http://schemas.openxmlformats.org/officeDocument/2006/relationships" xmlns:mc="http://schemas.openxmlformats.org/markup-compatibility/2006" xmlns:mv="urn:schemas-microsoft-com:mac:vml" xmlns:p="http://schemas.openxmlformats.org/presentationml/2006/main" xmlns:c="http://schemas.openxmlformats.org/drawingml/2006/chart" xmlns:dgm="http://schemas.openxmlformats.org/drawingml/2006/diagram" xmlns:o="urn:schemas-microsoft-com:office:office" xmlns:v="urn:schemas-microsoft-com:vml" xmlns:pvml="urn:schemas-microsoft-com:office:powerpoint" xmlns:com="http://schemas.openxmlformats.org/drawingml/2006/compatibility" xmlns:p14="http://schemas.microsoft.com/office/powerpoint/2010/main" xmlns:p15="http://schemas.microsoft.com/office/powerpoint/2012/main" xmlns:ahyp="http://schemas.microsoft.com/office/drawing/2018/hyperlinkcolor" showMasterPhAnim="0" showMasterSp="0">
+  <p:cSld>
+    <p:spTree>
+      <p:nvGrpSpPr>
+        <p:cNvPr id="80" name="Shape 80"/>
+        <p:cNvGrpSpPr/>
+        <p:nvPr/>
+      </p:nvGrpSpPr>
+      <p:grpSpPr>
+        <a:xfrm>
+          <a:off x="0" y="0"/>
+          <a:ext cx="0" cy="0"/>
+          <a:chOff x="0" y="0"/>
+          <a:chExt cx="0" cy="0"/>
+        </a:xfrm>
+      </p:grpSpPr>
+      <p:sp>
+        <p:nvSpPr>
+          <p:cNvPr id="81" name="Google Shape;81;gecc9f6615c_6_0:notes"/>
+          <p:cNvSpPr/>
+          <p:nvPr>
+            <p:ph idx="2" type="sldImg"/>
+          </p:nvPr>
+        </p:nvSpPr>
+        <p:spPr>
+          <a:xfrm>
+            <a:off x="381300" y="685800"/>
+            <a:ext cx="6096000" cy="3429000"/>
+          </a:xfrm>
+          <a:custGeom>
+            <a:rect b="b" l="l" r="r" t="t"/>
+            <a:pathLst>
+              <a:path extrusionOk="0" h="120000" w="120000">
+                <a:moveTo>
+                  <a:pt x="0" y="0"/>
+                </a:moveTo>
+                <a:lnTo>
+                  <a:pt x="120000" y="0"/>
+                </a:lnTo>
+                <a:lnTo>
+                  <a:pt x="120000" y="120000"/>
+                </a:lnTo>
+                <a:lnTo>
+                  <a:pt x="0" y="120000"/>
+                </a:lnTo>
+                <a:close/>
+              </a:path>
+            </a:pathLst>
+          </a:custGeom>
+        </p:spPr>
+      </p:sp>
+      <p:sp>
+        <p:nvSpPr>
+          <p:cNvPr id="82" name="Google Shape;82;gecc9f6615c_6_0:notes"/>
+          <p:cNvSpPr txBox="1"/>
+          <p:nvPr>
+            <p:ph idx="1" type="body"/>
+          </p:nvPr>
+        </p:nvSpPr>
+        <p:spPr>
+          <a:xfrm>
+            <a:off x="685800" y="4343400"/>
+            <a:ext cx="5486400" cy="4114800"/>
+          </a:xfrm>
+          <a:prstGeom prst="rect">
+            <a:avLst/>
+          </a:prstGeom>
+        </p:spPr>
+        <p:txBody>
+          <a:bodyPr anchorCtr="0" anchor="t" bIns="91425" lIns="91425" spcFirstLastPara="1" rIns="91425" wrap="square" tIns="91425">
+            <a:noAutofit/>
+          </a:bodyPr>
+          <a:lstStyle/>
+          <a:p>
+            <a:pPr indent="0" lvl="0" marL="0" rtl="0" algn="l">
+              <a:spcBef>
+                <a:spcPts val="0"/>
+              </a:spcBef>
+              <a:spcAft>
+                <a:spcPts val="0"/>
+              </a:spcAft>
+              <a:buNone/>
+            </a:pPr>
+            <a:r>
+              <a:t/>
+            </a:r>
+            <a:endParaRPr/>
+          </a:p>
+        </p:txBody>
+      </p:sp>
+    </p:spTree>
+  </p:cSld>
+  <p:clrMapOvr>
+    <a:masterClrMapping/>
+  </p:clrMapOvr>
+</p:notes>
+</file>
+
+<file path=ppt/notesSlides/notesSlide6.xml><?xml version="1.0" encoding="utf-8"?>
+<p:notes xmlns:a="http://schemas.openxmlformats.org/drawingml/2006/main" xmlns:r="http://schemas.openxmlformats.org/officeDocument/2006/relationships" xmlns:mc="http://schemas.openxmlformats.org/markup-compatibility/2006" xmlns:mv="urn:schemas-microsoft-com:mac:vml" xmlns:p="http://schemas.openxmlformats.org/presentationml/2006/main" xmlns:c="http://schemas.openxmlformats.org/drawingml/2006/chart" xmlns:dgm="http://schemas.openxmlformats.org/drawingml/2006/diagram" xmlns:o="urn:schemas-microsoft-com:office:office" xmlns:v="urn:schemas-microsoft-com:vml" xmlns:pvml="urn:schemas-microsoft-com:office:powerpoint" xmlns:com="http://schemas.openxmlformats.org/drawingml/2006/compatibility" xmlns:p14="http://schemas.microsoft.com/office/powerpoint/2010/main" xmlns:p15="http://schemas.microsoft.com/office/powerpoint/2012/main" xmlns:ahyp="http://schemas.microsoft.com/office/drawing/2018/hyperlinkcolor" showMasterPhAnim="0" showMasterSp="0">
+  <p:cSld>
+    <p:spTree>
+      <p:nvGrpSpPr>
+        <p:cNvPr id="86" name="Shape 86"/>
+        <p:cNvGrpSpPr/>
+        <p:nvPr/>
+      </p:nvGrpSpPr>
+      <p:grpSpPr>
+        <a:xfrm>
+          <a:off x="0" y="0"/>
+          <a:ext cx="0" cy="0"/>
+          <a:chOff x="0" y="0"/>
+          <a:chExt cx="0" cy="0"/>
+        </a:xfrm>
+      </p:grpSpPr>
+      <p:sp>
+        <p:nvSpPr>
+          <p:cNvPr id="87" name="Google Shape;87;gecc9f6615c_0_57:notes"/>
+          <p:cNvSpPr/>
+          <p:nvPr>
+            <p:ph idx="2" type="sldImg"/>
+          </p:nvPr>
+        </p:nvSpPr>
+        <p:spPr>
+          <a:xfrm>
+            <a:off x="381300" y="685800"/>
+            <a:ext cx="6096000" cy="3429000"/>
+          </a:xfrm>
+          <a:custGeom>
+            <a:rect b="b" l="l" r="r" t="t"/>
+            <a:pathLst>
+              <a:path extrusionOk="0" h="120000" w="120000">
+                <a:moveTo>
+                  <a:pt x="0" y="0"/>
+                </a:moveTo>
+                <a:lnTo>
+                  <a:pt x="120000" y="0"/>
+                </a:lnTo>
+                <a:lnTo>
+                  <a:pt x="120000" y="120000"/>
+                </a:lnTo>
+                <a:lnTo>
+                  <a:pt x="0" y="120000"/>
+                </a:lnTo>
+                <a:close/>
+              </a:path>
+            </a:pathLst>
+          </a:custGeom>
+        </p:spPr>
+      </p:sp>
+      <p:sp>
+        <p:nvSpPr>
+          <p:cNvPr id="88" name="Google Shape;88;gecc9f6615c_0_57:notes"/>
+          <p:cNvSpPr txBox="1"/>
+          <p:nvPr>
+            <p:ph idx="1" type="body"/>
+          </p:nvPr>
+        </p:nvSpPr>
+        <p:spPr>
+          <a:xfrm>
+            <a:off x="685800" y="4343400"/>
+            <a:ext cx="5486400" cy="4114800"/>
+          </a:xfrm>
+          <a:prstGeom prst="rect">
+            <a:avLst/>
+          </a:prstGeom>
+        </p:spPr>
+        <p:txBody>
+          <a:bodyPr anchorCtr="0" anchor="t" bIns="91425" lIns="91425" spcFirstLastPara="1" rIns="91425" wrap="square" tIns="91425">
+            <a:noAutofit/>
+          </a:bodyPr>
+          <a:lstStyle/>
+          <a:p>
+            <a:pPr indent="0" lvl="0" marL="0" rtl="0" algn="l">
+              <a:spcBef>
+                <a:spcPts val="0"/>
+              </a:spcBef>
+              <a:spcAft>
+                <a:spcPts val="0"/>
+              </a:spcAft>
+              <a:buNone/>
+            </a:pPr>
+            <a:r>
+              <a:t/>
+            </a:r>
+            <a:endParaRPr/>
+          </a:p>
+        </p:txBody>
+      </p:sp>
+    </p:spTree>
+  </p:cSld>
+  <p:clrMapOvr>
+    <a:masterClrMapping/>
+  </p:clrMapOvr>
+</p:notes>
+</file>
+
+<file path=ppt/notesSlides/notesSlide7.xml><?xml version="1.0" encoding="utf-8"?>
+<p:notes xmlns:a="http://schemas.openxmlformats.org/drawingml/2006/main" xmlns:r="http://schemas.openxmlformats.org/officeDocument/2006/relationships" xmlns:mc="http://schemas.openxmlformats.org/markup-compatibility/2006" xmlns:mv="urn:schemas-microsoft-com:mac:vml" xmlns:p="http://schemas.openxmlformats.org/presentationml/2006/main" xmlns:c="http://schemas.openxmlformats.org/drawingml/2006/chart" xmlns:dgm="http://schemas.openxmlformats.org/drawingml/2006/diagram" xmlns:o="urn:schemas-microsoft-com:office:office" xmlns:v="urn:schemas-microsoft-com:vml" xmlns:pvml="urn:schemas-microsoft-com:office:powerpoint" xmlns:com="http://schemas.openxmlformats.org/drawingml/2006/compatibility" xmlns:p14="http://schemas.microsoft.com/office/powerpoint/2010/main" xmlns:p15="http://schemas.microsoft.com/office/powerpoint/2012/main" xmlns:ahyp="http://schemas.microsoft.com/office/drawing/2018/hyperlinkcolor" showMasterPhAnim="0" showMasterSp="0">
+  <p:cSld>
+    <p:spTree>
+      <p:nvGrpSpPr>
+        <p:cNvPr id="92" name="Shape 92"/>
+        <p:cNvGrpSpPr/>
+        <p:nvPr/>
+      </p:nvGrpSpPr>
+      <p:grpSpPr>
+        <a:xfrm>
+          <a:off x="0" y="0"/>
+          <a:ext cx="0" cy="0"/>
+          <a:chOff x="0" y="0"/>
+          <a:chExt cx="0" cy="0"/>
+        </a:xfrm>
+      </p:grpSpPr>
+      <p:sp>
+        <p:nvSpPr>
+          <p:cNvPr id="93" name="Google Shape;93;gecc9f6615c_4_0:notes"/>
+          <p:cNvSpPr/>
+          <p:nvPr>
+            <p:ph idx="2" type="sldImg"/>
+          </p:nvPr>
+        </p:nvSpPr>
+        <p:spPr>
+          <a:xfrm>
+            <a:off x="381300" y="685800"/>
+            <a:ext cx="6096000" cy="3429000"/>
+          </a:xfrm>
+          <a:custGeom>
+            <a:rect b="b" l="l" r="r" t="t"/>
+            <a:pathLst>
+              <a:path extrusionOk="0" h="120000" w="120000">
+                <a:moveTo>
+                  <a:pt x="0" y="0"/>
+                </a:moveTo>
+                <a:lnTo>
+                  <a:pt x="120000" y="0"/>
+                </a:lnTo>
+                <a:lnTo>
+                  <a:pt x="120000" y="120000"/>
+                </a:lnTo>
+                <a:lnTo>
+                  <a:pt x="0" y="120000"/>
+                </a:lnTo>
+                <a:close/>
+              </a:path>
+            </a:pathLst>
+          </a:custGeom>
+        </p:spPr>
+      </p:sp>
+      <p:sp>
+        <p:nvSpPr>
+          <p:cNvPr id="94" name="Google Shape;94;gecc9f6615c_4_0:notes"/>
+          <p:cNvSpPr txBox="1"/>
+          <p:nvPr>
+            <p:ph idx="1" type="body"/>
+          </p:nvPr>
+        </p:nvSpPr>
+        <p:spPr>
+          <a:xfrm>
+            <a:off x="685800" y="4343400"/>
+            <a:ext cx="5486400" cy="4114800"/>
+          </a:xfrm>
+          <a:prstGeom prst="rect">
+            <a:avLst/>
+          </a:prstGeom>
+        </p:spPr>
+        <p:txBody>
+          <a:bodyPr anchorCtr="0" anchor="t" bIns="91425" lIns="91425" spcFirstLastPara="1" rIns="91425" wrap="square" tIns="91425">
+            <a:noAutofit/>
+          </a:bodyPr>
+          <a:lstStyle/>
+          <a:p>
+            <a:pPr indent="0" lvl="0" marL="0" rtl="0" algn="l">
+              <a:spcBef>
+                <a:spcPts val="0"/>
+              </a:spcBef>
+              <a:spcAft>
+                <a:spcPts val="0"/>
+              </a:spcAft>
+              <a:buNone/>
+            </a:pPr>
+            <a:r>
+              <a:t/>
+            </a:r>
+            <a:endParaRPr/>
+          </a:p>
+        </p:txBody>
+      </p:sp>
+    </p:spTree>
+  </p:cSld>
+  <p:clrMapOvr>
+    <a:masterClrMapping/>
+  </p:clrMapOvr>
+</p:notes>
+</file>
+
 <file path=ppt/slideLayouts/slideLayout1.xml><?xml version="1.0" encoding="utf-8"?>
 <p:sldLayout xmlns:a="http://schemas.openxmlformats.org/drawingml/2006/main" xmlns:r="http://schemas.openxmlformats.org/officeDocument/2006/relationships" xmlns:mc="http://schemas.openxmlformats.org/markup-compatibility/2006" xmlns:mv="urn:schemas-microsoft-com:mac:vml" xmlns:p="http://schemas.openxmlformats.org/presentationml/2006/main" xmlns:c="http://schemas.openxmlformats.org/drawingml/2006/chart" xmlns:dgm="http://schemas.openxmlformats.org/drawingml/2006/diagram" xmlns:o="urn:schemas-microsoft-com:office:office" xmlns:v="urn:schemas-microsoft-com:vml" xmlns:pvml="urn:schemas-microsoft-com:office:powerpoint" xmlns:com="http://schemas.openxmlformats.org/drawingml/2006/compatibility" xmlns:p14="http://schemas.microsoft.com/office/powerpoint/2010/main" xmlns:p15="http://schemas.microsoft.com/office/powerpoint/2012/main" xmlns:ahyp="http://schemas.microsoft.com/office/drawing/2018/hyperlinkcolor" matchingName="Title slide" type="title">
   <p:cSld name="TITLE">
+    <p:bg>
+      <p:bgPr>
+        <a:solidFill>
+          <a:schemeClr val="dk1"/>
+        </a:solidFill>
+      </p:bgPr>
+    </p:bg>
     <p:spTree>
       <p:nvGrpSpPr>
         <p:cNvPr id="9" name="Shape 9"/>
@@ -1113,153 +1418,35 @@
           <a:chExt cx="0" cy="0"/>
         </a:xfrm>
       </p:grpSpPr>
-      <p:grpSp>
-        <p:nvGrpSpPr>
+      <p:cxnSp>
+        <p:nvCxnSpPr>
           <p:cNvPr id="10" name="Google Shape;10;p2"/>
-          <p:cNvGrpSpPr/>
+          <p:cNvCxnSpPr/>
           <p:nvPr/>
-        </p:nvGrpSpPr>
-        <p:grpSpPr>
+        </p:nvCxnSpPr>
+        <p:spPr>
           <a:xfrm>
-            <a:off x="4350279" y="2855377"/>
-            <a:ext cx="443589" cy="105632"/>
-            <a:chOff x="4137525" y="2915950"/>
-            <a:chExt cx="869100" cy="207000"/>
+            <a:off x="0" y="2998150"/>
+            <a:ext cx="9144000" cy="0"/>
           </a:xfrm>
-        </p:grpSpPr>
-        <p:sp>
-          <p:nvSpPr>
-            <p:cNvPr id="11" name="Google Shape;11;p2"/>
-            <p:cNvSpPr/>
-            <p:nvPr/>
-          </p:nvSpPr>
-          <p:spPr>
-            <a:xfrm>
-              <a:off x="4468575" y="2915950"/>
-              <a:ext cx="207000" cy="207000"/>
-            </a:xfrm>
-            <a:prstGeom prst="ellipse">
-              <a:avLst/>
-            </a:prstGeom>
+          <a:prstGeom prst="straightConnector1">
+            <a:avLst/>
+          </a:prstGeom>
+          <a:noFill/>
+          <a:ln cap="flat" cmpd="sng" w="19050">
             <a:solidFill>
-              <a:schemeClr val="dk1"/>
+              <a:schemeClr val="lt2"/>
             </a:solidFill>
-            <a:ln>
-              <a:noFill/>
-            </a:ln>
-          </p:spPr>
-          <p:txBody>
-            <a:bodyPr anchorCtr="0" anchor="ctr" bIns="91425" lIns="91425" spcFirstLastPara="1" rIns="91425" wrap="square" tIns="91425">
-              <a:noAutofit/>
-            </a:bodyPr>
-            <a:lstStyle/>
-            <a:p>
-              <a:pPr indent="0" lvl="0" marL="0" rtl="0" algn="l">
-                <a:spcBef>
-                  <a:spcPts val="0"/>
-                </a:spcBef>
-                <a:spcAft>
-                  <a:spcPts val="0"/>
-                </a:spcAft>
-                <a:buNone/>
-              </a:pPr>
-              <a:r>
-                <a:t/>
-              </a:r>
-              <a:endParaRPr/>
-            </a:p>
-          </p:txBody>
-        </p:sp>
-        <p:sp>
-          <p:nvSpPr>
-            <p:cNvPr id="12" name="Google Shape;12;p2"/>
-            <p:cNvSpPr/>
-            <p:nvPr/>
-          </p:nvSpPr>
-          <p:spPr>
-            <a:xfrm>
-              <a:off x="4799625" y="2915950"/>
-              <a:ext cx="207000" cy="207000"/>
-            </a:xfrm>
-            <a:prstGeom prst="ellipse">
-              <a:avLst/>
-            </a:prstGeom>
-            <a:solidFill>
-              <a:schemeClr val="dk1"/>
-            </a:solidFill>
-            <a:ln>
-              <a:noFill/>
-            </a:ln>
-          </p:spPr>
-          <p:txBody>
-            <a:bodyPr anchorCtr="0" anchor="ctr" bIns="91425" lIns="91425" spcFirstLastPara="1" rIns="91425" wrap="square" tIns="91425">
-              <a:noAutofit/>
-            </a:bodyPr>
-            <a:lstStyle/>
-            <a:p>
-              <a:pPr indent="0" lvl="0" marL="0" rtl="0" algn="l">
-                <a:spcBef>
-                  <a:spcPts val="0"/>
-                </a:spcBef>
-                <a:spcAft>
-                  <a:spcPts val="0"/>
-                </a:spcAft>
-                <a:buNone/>
-              </a:pPr>
-              <a:r>
-                <a:t/>
-              </a:r>
-              <a:endParaRPr/>
-            </a:p>
-          </p:txBody>
-        </p:sp>
-        <p:sp>
-          <p:nvSpPr>
-            <p:cNvPr id="13" name="Google Shape;13;p2"/>
-            <p:cNvSpPr/>
-            <p:nvPr/>
-          </p:nvSpPr>
-          <p:spPr>
-            <a:xfrm>
-              <a:off x="4137525" y="2915950"/>
-              <a:ext cx="207000" cy="207000"/>
-            </a:xfrm>
-            <a:prstGeom prst="ellipse">
-              <a:avLst/>
-            </a:prstGeom>
-            <a:solidFill>
-              <a:schemeClr val="dk1"/>
-            </a:solidFill>
-            <a:ln>
-              <a:noFill/>
-            </a:ln>
-          </p:spPr>
-          <p:txBody>
-            <a:bodyPr anchorCtr="0" anchor="ctr" bIns="91425" lIns="91425" spcFirstLastPara="1" rIns="91425" wrap="square" tIns="91425">
-              <a:noAutofit/>
-            </a:bodyPr>
-            <a:lstStyle/>
-            <a:p>
-              <a:pPr indent="0" lvl="0" marL="0" rtl="0" algn="l">
-                <a:spcBef>
-                  <a:spcPts val="0"/>
-                </a:spcBef>
-                <a:spcAft>
-                  <a:spcPts val="0"/>
-                </a:spcAft>
-                <a:buNone/>
-              </a:pPr>
-              <a:r>
-                <a:t/>
-              </a:r>
-              <a:endParaRPr/>
-            </a:p>
-          </p:txBody>
-        </p:sp>
-      </p:grpSp>
+            <a:prstDash val="solid"/>
+            <a:round/>
+            <a:headEnd len="sm" w="sm" type="none"/>
+            <a:tailEnd len="sm" w="sm" type="none"/>
+          </a:ln>
+        </p:spPr>
+      </p:cxnSp>
       <p:sp>
         <p:nvSpPr>
-          <p:cNvPr id="14" name="Google Shape;14;p2"/>
+          <p:cNvPr id="11" name="Google Shape;11;p2"/>
           <p:cNvSpPr txBox="1"/>
           <p:nvPr>
             <p:ph type="ctrTitle"/>
@@ -1267,8 +1454,8 @@
         </p:nvSpPr>
         <p:spPr>
           <a:xfrm>
-            <a:off x="671258" y="990800"/>
-            <a:ext cx="7801500" cy="1730100"/>
+            <a:off x="510450" y="1257300"/>
+            <a:ext cx="8123100" cy="1588500"/>
           </a:xfrm>
           <a:prstGeom prst="rect">
             <a:avLst/>
@@ -1279,104 +1466,167 @@
             <a:normAutofit/>
           </a:bodyPr>
           <a:lstStyle>
-            <a:lvl1pPr lvl="0" algn="ctr">
-              <a:spcBef>
-                <a:spcPts val="0"/>
-              </a:spcBef>
-              <a:spcAft>
-                <a:spcPts val="0"/>
-              </a:spcAft>
+            <a:lvl1pPr lvl="0">
+              <a:spcBef>
+                <a:spcPts val="0"/>
+              </a:spcBef>
+              <a:spcAft>
+                <a:spcPts val="0"/>
+              </a:spcAft>
+              <a:buClr>
+                <a:schemeClr val="lt1"/>
+              </a:buClr>
               <a:buSzPts val="4800"/>
               <a:buNone/>
-              <a:defRPr sz="4800"/>
+              <a:defRPr sz="4800">
+                <a:solidFill>
+                  <a:schemeClr val="lt1"/>
+                </a:solidFill>
+              </a:defRPr>
             </a:lvl1pPr>
-            <a:lvl2pPr lvl="1" algn="ctr">
-              <a:spcBef>
-                <a:spcPts val="0"/>
-              </a:spcBef>
-              <a:spcAft>
-                <a:spcPts val="0"/>
-              </a:spcAft>
+            <a:lvl2pPr lvl="1">
+              <a:spcBef>
+                <a:spcPts val="0"/>
+              </a:spcBef>
+              <a:spcAft>
+                <a:spcPts val="0"/>
+              </a:spcAft>
+              <a:buClr>
+                <a:schemeClr val="lt1"/>
+              </a:buClr>
               <a:buSzPts val="4800"/>
               <a:buNone/>
-              <a:defRPr sz="4800"/>
+              <a:defRPr sz="4800">
+                <a:solidFill>
+                  <a:schemeClr val="lt1"/>
+                </a:solidFill>
+              </a:defRPr>
             </a:lvl2pPr>
-            <a:lvl3pPr lvl="2" algn="ctr">
-              <a:spcBef>
-                <a:spcPts val="0"/>
-              </a:spcBef>
-              <a:spcAft>
-                <a:spcPts val="0"/>
-              </a:spcAft>
+            <a:lvl3pPr lvl="2">
+              <a:spcBef>
+                <a:spcPts val="0"/>
+              </a:spcBef>
+              <a:spcAft>
+                <a:spcPts val="0"/>
+              </a:spcAft>
+              <a:buClr>
+                <a:schemeClr val="lt1"/>
+              </a:buClr>
               <a:buSzPts val="4800"/>
               <a:buNone/>
-              <a:defRPr sz="4800"/>
+              <a:defRPr sz="4800">
+                <a:solidFill>
+                  <a:schemeClr val="lt1"/>
+                </a:solidFill>
+              </a:defRPr>
             </a:lvl3pPr>
-            <a:lvl4pPr lvl="3" algn="ctr">
-              <a:spcBef>
-                <a:spcPts val="0"/>
-              </a:spcBef>
-              <a:spcAft>
-                <a:spcPts val="0"/>
-              </a:spcAft>
+            <a:lvl4pPr lvl="3">
+              <a:spcBef>
+                <a:spcPts val="0"/>
+              </a:spcBef>
+              <a:spcAft>
+                <a:spcPts val="0"/>
+              </a:spcAft>
+              <a:buClr>
+                <a:schemeClr val="lt1"/>
+              </a:buClr>
               <a:buSzPts val="4800"/>
               <a:buNone/>
-              <a:defRPr sz="4800"/>
+              <a:defRPr sz="4800">
+                <a:solidFill>
+                  <a:schemeClr val="lt1"/>
+                </a:solidFill>
+              </a:defRPr>
             </a:lvl4pPr>
-            <a:lvl5pPr lvl="4" algn="ctr">
-              <a:spcBef>
-                <a:spcPts val="0"/>
-              </a:spcBef>
-              <a:spcAft>
-                <a:spcPts val="0"/>
-              </a:spcAft>
+            <a:lvl5pPr lvl="4">
+              <a:spcBef>
+                <a:spcPts val="0"/>
+              </a:spcBef>
+              <a:spcAft>
+                <a:spcPts val="0"/>
+              </a:spcAft>
+              <a:buClr>
+                <a:schemeClr val="lt1"/>
+              </a:buClr>
               <a:buSzPts val="4800"/>
               <a:buNone/>
-              <a:defRPr sz="4800"/>
+              <a:defRPr sz="4800">
+                <a:solidFill>
+                  <a:schemeClr val="lt1"/>
+                </a:solidFill>
+              </a:defRPr>
             </a:lvl5pPr>
-            <a:lvl6pPr lvl="5" algn="ctr">
-              <a:spcBef>
-                <a:spcPts val="0"/>
-              </a:spcBef>
-              <a:spcAft>
-                <a:spcPts val="0"/>
-              </a:spcAft>
+            <a:lvl6pPr lvl="5">
+              <a:spcBef>
+                <a:spcPts val="0"/>
+              </a:spcBef>
+              <a:spcAft>
+                <a:spcPts val="0"/>
+              </a:spcAft>
+              <a:buClr>
+                <a:schemeClr val="lt1"/>
+              </a:buClr>
               <a:buSzPts val="4800"/>
               <a:buNone/>
-              <a:defRPr sz="4800"/>
+              <a:defRPr sz="4800">
+                <a:solidFill>
+                  <a:schemeClr val="lt1"/>
+                </a:solidFill>
+              </a:defRPr>
             </a:lvl6pPr>
-            <a:lvl7pPr lvl="6" algn="ctr">
-              <a:spcBef>
-                <a:spcPts val="0"/>
-              </a:spcBef>
-              <a:spcAft>
-                <a:spcPts val="0"/>
-              </a:spcAft>
+            <a:lvl7pPr lvl="6">
+              <a:spcBef>
+                <a:spcPts val="0"/>
+              </a:spcBef>
+              <a:spcAft>
+                <a:spcPts val="0"/>
+              </a:spcAft>
+              <a:buClr>
+                <a:schemeClr val="lt1"/>
+              </a:buClr>
               <a:buSzPts val="4800"/>
               <a:buNone/>
-              <a:defRPr sz="4800"/>
+              <a:defRPr sz="4800">
+                <a:solidFill>
+                  <a:schemeClr val="lt1"/>
+                </a:solidFill>
+              </a:defRPr>
             </a:lvl7pPr>
-            <a:lvl8pPr lvl="7" algn="ctr">
-              <a:spcBef>
-                <a:spcPts val="0"/>
-              </a:spcBef>
-              <a:spcAft>
-                <a:spcPts val="0"/>
-              </a:spcAft>
+            <a:lvl8pPr lvl="7">
+              <a:spcBef>
+                <a:spcPts val="0"/>
+              </a:spcBef>
+              <a:spcAft>
+                <a:spcPts val="0"/>
+              </a:spcAft>
+              <a:buClr>
+                <a:schemeClr val="lt1"/>
+              </a:buClr>
               <a:buSzPts val="4800"/>
               <a:buNone/>
-              <a:defRPr sz="4800"/>
+              <a:defRPr sz="4800">
+                <a:solidFill>
+                  <a:schemeClr val="lt1"/>
+                </a:solidFill>
+              </a:defRPr>
             </a:lvl8pPr>
-            <a:lvl9pPr lvl="8" algn="ctr">
-              <a:spcBef>
-                <a:spcPts val="0"/>
-              </a:spcBef>
-              <a:spcAft>
-                <a:spcPts val="0"/>
-              </a:spcAft>
+            <a:lvl9pPr lvl="8">
+              <a:spcBef>
+                <a:spcPts val="0"/>
+              </a:spcBef>
+              <a:spcAft>
+                <a:spcPts val="0"/>
+              </a:spcAft>
+              <a:buClr>
+                <a:schemeClr val="lt1"/>
+              </a:buClr>
               <a:buSzPts val="4800"/>
               <a:buNone/>
-              <a:defRPr sz="4800"/>
+              <a:defRPr sz="4800">
+                <a:solidFill>
+                  <a:schemeClr val="lt1"/>
+                </a:solidFill>
+              </a:defRPr>
             </a:lvl9pPr>
           </a:lstStyle>
           <a:p/>
@@ -1384,7 +1634,7 @@
       </p:sp>
       <p:sp>
         <p:nvSpPr>
-          <p:cNvPr id="15" name="Google Shape;15;p2"/>
+          <p:cNvPr id="12" name="Google Shape;12;p2"/>
           <p:cNvSpPr txBox="1"/>
           <p:nvPr>
             <p:ph idx="1" type="subTitle"/>
@@ -1392,8 +1642,8 @@
         </p:nvSpPr>
         <p:spPr>
           <a:xfrm>
-            <a:off x="671250" y="3174876"/>
-            <a:ext cx="7801500" cy="792600"/>
+            <a:off x="510450" y="3182313"/>
+            <a:ext cx="8123100" cy="630000"/>
           </a:xfrm>
           <a:prstGeom prst="rect">
             <a:avLst/>
@@ -1404,7 +1654,7 @@
             <a:normAutofit/>
           </a:bodyPr>
           <a:lstStyle>
-            <a:lvl1pPr lvl="0" algn="ctr">
+            <a:lvl1pPr lvl="0">
               <a:lnSpc>
                 <a:spcPct val="100000"/>
               </a:lnSpc>
@@ -1414,11 +1664,18 @@
               <a:spcAft>
                 <a:spcPts val="0"/>
               </a:spcAft>
-              <a:buSzPts val="2100"/>
-              <a:buNone/>
-              <a:defRPr sz="2100"/>
+              <a:buClr>
+                <a:schemeClr val="lt1"/>
+              </a:buClr>
+              <a:buSzPts val="2400"/>
+              <a:buNone/>
+              <a:defRPr sz="2400">
+                <a:solidFill>
+                  <a:schemeClr val="lt1"/>
+                </a:solidFill>
+              </a:defRPr>
             </a:lvl1pPr>
-            <a:lvl2pPr lvl="1" algn="ctr">
+            <a:lvl2pPr lvl="1">
               <a:lnSpc>
                 <a:spcPct val="100000"/>
               </a:lnSpc>
@@ -1428,11 +1685,18 @@
               <a:spcAft>
                 <a:spcPts val="0"/>
               </a:spcAft>
-              <a:buSzPts val="2100"/>
-              <a:buNone/>
-              <a:defRPr sz="2100"/>
+              <a:buClr>
+                <a:schemeClr val="lt1"/>
+              </a:buClr>
+              <a:buSzPts val="2400"/>
+              <a:buNone/>
+              <a:defRPr sz="2400">
+                <a:solidFill>
+                  <a:schemeClr val="lt1"/>
+                </a:solidFill>
+              </a:defRPr>
             </a:lvl2pPr>
-            <a:lvl3pPr lvl="2" algn="ctr">
+            <a:lvl3pPr lvl="2">
               <a:lnSpc>
                 <a:spcPct val="100000"/>
               </a:lnSpc>
@@ -1442,11 +1706,18 @@
               <a:spcAft>
                 <a:spcPts val="0"/>
               </a:spcAft>
-              <a:buSzPts val="2100"/>
-              <a:buNone/>
-              <a:defRPr sz="2100"/>
+              <a:buClr>
+                <a:schemeClr val="lt1"/>
+              </a:buClr>
+              <a:buSzPts val="2400"/>
+              <a:buNone/>
+              <a:defRPr sz="2400">
+                <a:solidFill>
+                  <a:schemeClr val="lt1"/>
+                </a:solidFill>
+              </a:defRPr>
             </a:lvl3pPr>
-            <a:lvl4pPr lvl="3" algn="ctr">
+            <a:lvl4pPr lvl="3">
               <a:lnSpc>
                 <a:spcPct val="100000"/>
               </a:lnSpc>
@@ -1456,11 +1727,18 @@
               <a:spcAft>
                 <a:spcPts val="0"/>
               </a:spcAft>
-              <a:buSzPts val="2100"/>
-              <a:buNone/>
-              <a:defRPr sz="2100"/>
+              <a:buClr>
+                <a:schemeClr val="lt1"/>
+              </a:buClr>
+              <a:buSzPts val="2400"/>
+              <a:buNone/>
+              <a:defRPr sz="2400">
+                <a:solidFill>
+                  <a:schemeClr val="lt1"/>
+                </a:solidFill>
+              </a:defRPr>
             </a:lvl4pPr>
-            <a:lvl5pPr lvl="4" algn="ctr">
+            <a:lvl5pPr lvl="4">
               <a:lnSpc>
                 <a:spcPct val="100000"/>
               </a:lnSpc>
@@ -1470,11 +1748,18 @@
               <a:spcAft>
                 <a:spcPts val="0"/>
               </a:spcAft>
-              <a:buSzPts val="2100"/>
-              <a:buNone/>
-              <a:defRPr sz="2100"/>
+              <a:buClr>
+                <a:schemeClr val="lt1"/>
+              </a:buClr>
+              <a:buSzPts val="2400"/>
+              <a:buNone/>
+              <a:defRPr sz="2400">
+                <a:solidFill>
+                  <a:schemeClr val="lt1"/>
+                </a:solidFill>
+              </a:defRPr>
             </a:lvl5pPr>
-            <a:lvl6pPr lvl="5" algn="ctr">
+            <a:lvl6pPr lvl="5">
               <a:lnSpc>
                 <a:spcPct val="100000"/>
               </a:lnSpc>
@@ -1484,11 +1769,18 @@
               <a:spcAft>
                 <a:spcPts val="0"/>
               </a:spcAft>
-              <a:buSzPts val="2100"/>
-              <a:buNone/>
-              <a:defRPr sz="2100"/>
+              <a:buClr>
+                <a:schemeClr val="lt1"/>
+              </a:buClr>
+              <a:buSzPts val="2400"/>
+              <a:buNone/>
+              <a:defRPr sz="2400">
+                <a:solidFill>
+                  <a:schemeClr val="lt1"/>
+                </a:solidFill>
+              </a:defRPr>
             </a:lvl6pPr>
-            <a:lvl7pPr lvl="6" algn="ctr">
+            <a:lvl7pPr lvl="6">
               <a:lnSpc>
                 <a:spcPct val="100000"/>
               </a:lnSpc>
@@ -1498,11 +1790,18 @@
               <a:spcAft>
                 <a:spcPts val="0"/>
               </a:spcAft>
-              <a:buSzPts val="2100"/>
-              <a:buNone/>
-              <a:defRPr sz="2100"/>
+              <a:buClr>
+                <a:schemeClr val="lt1"/>
+              </a:buClr>
+              <a:buSzPts val="2400"/>
+              <a:buNone/>
+              <a:defRPr sz="2400">
+                <a:solidFill>
+                  <a:schemeClr val="lt1"/>
+                </a:solidFill>
+              </a:defRPr>
             </a:lvl7pPr>
-            <a:lvl8pPr lvl="7" algn="ctr">
+            <a:lvl8pPr lvl="7">
               <a:lnSpc>
                 <a:spcPct val="100000"/>
               </a:lnSpc>
@@ -1512,11 +1811,18 @@
               <a:spcAft>
                 <a:spcPts val="0"/>
               </a:spcAft>
-              <a:buSzPts val="2100"/>
-              <a:buNone/>
-              <a:defRPr sz="2100"/>
+              <a:buClr>
+                <a:schemeClr val="lt1"/>
+              </a:buClr>
+              <a:buSzPts val="2400"/>
+              <a:buNone/>
+              <a:defRPr sz="2400">
+                <a:solidFill>
+                  <a:schemeClr val="lt1"/>
+                </a:solidFill>
+              </a:defRPr>
             </a:lvl8pPr>
-            <a:lvl9pPr lvl="8" algn="ctr">
+            <a:lvl9pPr lvl="8">
               <a:lnSpc>
                 <a:spcPct val="100000"/>
               </a:lnSpc>
@@ -1526,9 +1832,16 @@
               <a:spcAft>
                 <a:spcPts val="0"/>
               </a:spcAft>
-              <a:buSzPts val="2100"/>
-              <a:buNone/>
-              <a:defRPr sz="2100"/>
+              <a:buClr>
+                <a:schemeClr val="lt1"/>
+              </a:buClr>
+              <a:buSzPts val="2400"/>
+              <a:buNone/>
+              <a:defRPr sz="2400">
+                <a:solidFill>
+                  <a:schemeClr val="lt1"/>
+                </a:solidFill>
+              </a:defRPr>
             </a:lvl9pPr>
           </a:lstStyle>
           <a:p/>
@@ -1536,7 +1849,7 @@
       </p:sp>
       <p:sp>
         <p:nvSpPr>
-          <p:cNvPr id="16" name="Google Shape;16;p2"/>
+          <p:cNvPr id="13" name="Google Shape;13;p2"/>
           <p:cNvSpPr txBox="1"/>
           <p:nvPr>
             <p:ph idx="12" type="sldNum"/>
@@ -1544,7 +1857,7 @@
         </p:nvSpPr>
         <p:spPr>
           <a:xfrm>
-            <a:off x="8490250" y="4681009"/>
+            <a:off x="8472458" y="4663217"/>
             <a:ext cx="548700" cy="393600"/>
           </a:xfrm>
           <a:prstGeom prst="rect">
@@ -1558,39 +1871,75 @@
           <a:lstStyle>
             <a:lvl1pPr lvl="0">
               <a:buNone/>
-              <a:defRPr/>
+              <a:defRPr>
+                <a:solidFill>
+                  <a:schemeClr val="lt1"/>
+                </a:solidFill>
+              </a:defRPr>
             </a:lvl1pPr>
             <a:lvl2pPr lvl="1">
               <a:buNone/>
-              <a:defRPr/>
+              <a:defRPr>
+                <a:solidFill>
+                  <a:schemeClr val="lt1"/>
+                </a:solidFill>
+              </a:defRPr>
             </a:lvl2pPr>
             <a:lvl3pPr lvl="2">
               <a:buNone/>
-              <a:defRPr/>
+              <a:defRPr>
+                <a:solidFill>
+                  <a:schemeClr val="lt1"/>
+                </a:solidFill>
+              </a:defRPr>
             </a:lvl3pPr>
             <a:lvl4pPr lvl="3">
               <a:buNone/>
-              <a:defRPr/>
+              <a:defRPr>
+                <a:solidFill>
+                  <a:schemeClr val="lt1"/>
+                </a:solidFill>
+              </a:defRPr>
             </a:lvl4pPr>
             <a:lvl5pPr lvl="4">
               <a:buNone/>
-              <a:defRPr/>
+              <a:defRPr>
+                <a:solidFill>
+                  <a:schemeClr val="lt1"/>
+                </a:solidFill>
+              </a:defRPr>
             </a:lvl5pPr>
             <a:lvl6pPr lvl="5">
               <a:buNone/>
-              <a:defRPr/>
+              <a:defRPr>
+                <a:solidFill>
+                  <a:schemeClr val="lt1"/>
+                </a:solidFill>
+              </a:defRPr>
             </a:lvl6pPr>
             <a:lvl7pPr lvl="6">
               <a:buNone/>
-              <a:defRPr/>
+              <a:defRPr>
+                <a:solidFill>
+                  <a:schemeClr val="lt1"/>
+                </a:solidFill>
+              </a:defRPr>
             </a:lvl7pPr>
             <a:lvl8pPr lvl="7">
               <a:buNone/>
-              <a:defRPr/>
+              <a:defRPr>
+                <a:solidFill>
+                  <a:schemeClr val="lt1"/>
+                </a:solidFill>
+              </a:defRPr>
             </a:lvl8pPr>
             <a:lvl9pPr lvl="8">
               <a:buNone/>
-              <a:defRPr/>
+              <a:defRPr>
+                <a:solidFill>
+                  <a:schemeClr val="lt1"/>
+                </a:solidFill>
+              </a:defRPr>
             </a:lvl9pPr>
           </a:lstStyle>
           <a:p>
@@ -1624,7 +1973,7 @@
   <p:cSld name="BIG_NUMBER">
     <p:spTree>
       <p:nvGrpSpPr>
-        <p:cNvPr id="49" name="Shape 49"/>
+        <p:cNvPr id="48" name="Shape 48"/>
         <p:cNvGrpSpPr/>
         <p:nvPr/>
       </p:nvGrpSpPr>
@@ -1638,6 +1987,49 @@
       </p:grpSpPr>
       <p:sp>
         <p:nvSpPr>
+          <p:cNvPr id="49" name="Google Shape;49;p11"/>
+          <p:cNvSpPr/>
+          <p:nvPr/>
+        </p:nvSpPr>
+        <p:spPr>
+          <a:xfrm>
+            <a:off x="0" y="5045700"/>
+            <a:ext cx="9144000" cy="97800"/>
+          </a:xfrm>
+          <a:prstGeom prst="rect">
+            <a:avLst/>
+          </a:prstGeom>
+          <a:solidFill>
+            <a:schemeClr val="lt2"/>
+          </a:solidFill>
+          <a:ln>
+            <a:noFill/>
+          </a:ln>
+        </p:spPr>
+        <p:txBody>
+          <a:bodyPr anchorCtr="0" anchor="ctr" bIns="91425" lIns="91425" spcFirstLastPara="1" rIns="91425" wrap="square" tIns="91425">
+            <a:noAutofit/>
+          </a:bodyPr>
+          <a:lstStyle/>
+          <a:p>
+            <a:pPr indent="0" lvl="0" marL="0" rtl="0" algn="l">
+              <a:spcBef>
+                <a:spcPts val="0"/>
+              </a:spcBef>
+              <a:spcAft>
+                <a:spcPts val="0"/>
+              </a:spcAft>
+              <a:buNone/>
+            </a:pPr>
+            <a:r>
+              <a:t/>
+            </a:r>
+            <a:endParaRPr/>
+          </a:p>
+        </p:txBody>
+      </p:sp>
+      <p:sp>
+        <p:nvSpPr>
           <p:cNvPr id="50" name="Google Shape;50;p11"/>
           <p:cNvSpPr txBox="1"/>
           <p:nvPr>
@@ -1646,15 +2038,15 @@
         </p:nvSpPr>
         <p:spPr>
           <a:xfrm>
-            <a:off x="311700" y="1255275"/>
-            <a:ext cx="8520600" cy="1890600"/>
+            <a:off x="311700" y="991475"/>
+            <a:ext cx="8520600" cy="1917900"/>
           </a:xfrm>
           <a:prstGeom prst="rect">
             <a:avLst/>
           </a:prstGeom>
         </p:spPr>
         <p:txBody>
-          <a:bodyPr anchorCtr="0" anchor="b" bIns="91425" lIns="91425" spcFirstLastPara="1" rIns="91425" wrap="square" tIns="91425">
+          <a:bodyPr anchorCtr="0" anchor="ctr" bIns="91425" lIns="91425" spcFirstLastPara="1" rIns="91425" wrap="square" tIns="91425">
             <a:normAutofit/>
           </a:bodyPr>
           <a:lstStyle>
@@ -1665,9 +2057,9 @@
               <a:spcAft>
                 <a:spcPts val="0"/>
               </a:spcAft>
-              <a:buSzPts val="12000"/>
-              <a:buNone/>
-              <a:defRPr sz="12000"/>
+              <a:buSzPts val="14000"/>
+              <a:buNone/>
+              <a:defRPr b="1" sz="14000"/>
             </a:lvl1pPr>
             <a:lvl2pPr lvl="1" algn="ctr">
               <a:spcBef>
@@ -1676,9 +2068,9 @@
               <a:spcAft>
                 <a:spcPts val="0"/>
               </a:spcAft>
-              <a:buSzPts val="12000"/>
-              <a:buNone/>
-              <a:defRPr sz="12000"/>
+              <a:buSzPts val="14000"/>
+              <a:buNone/>
+              <a:defRPr b="1" sz="14000"/>
             </a:lvl2pPr>
             <a:lvl3pPr lvl="2" algn="ctr">
               <a:spcBef>
@@ -1687,9 +2079,9 @@
               <a:spcAft>
                 <a:spcPts val="0"/>
               </a:spcAft>
-              <a:buSzPts val="12000"/>
-              <a:buNone/>
-              <a:defRPr sz="12000"/>
+              <a:buSzPts val="14000"/>
+              <a:buNone/>
+              <a:defRPr b="1" sz="14000"/>
             </a:lvl3pPr>
             <a:lvl4pPr lvl="3" algn="ctr">
               <a:spcBef>
@@ -1698,9 +2090,9 @@
               <a:spcAft>
                 <a:spcPts val="0"/>
               </a:spcAft>
-              <a:buSzPts val="12000"/>
-              <a:buNone/>
-              <a:defRPr sz="12000"/>
+              <a:buSzPts val="14000"/>
+              <a:buNone/>
+              <a:defRPr b="1" sz="14000"/>
             </a:lvl4pPr>
             <a:lvl5pPr lvl="4" algn="ctr">
               <a:spcBef>
@@ -1709,9 +2101,9 @@
               <a:spcAft>
                 <a:spcPts val="0"/>
               </a:spcAft>
-              <a:buSzPts val="12000"/>
-              <a:buNone/>
-              <a:defRPr sz="12000"/>
+              <a:buSzPts val="14000"/>
+              <a:buNone/>
+              <a:defRPr b="1" sz="14000"/>
             </a:lvl5pPr>
             <a:lvl6pPr lvl="5" algn="ctr">
               <a:spcBef>
@@ -1720,9 +2112,9 @@
               <a:spcAft>
                 <a:spcPts val="0"/>
               </a:spcAft>
-              <a:buSzPts val="12000"/>
-              <a:buNone/>
-              <a:defRPr sz="12000"/>
+              <a:buSzPts val="14000"/>
+              <a:buNone/>
+              <a:defRPr b="1" sz="14000"/>
             </a:lvl6pPr>
             <a:lvl7pPr lvl="6" algn="ctr">
               <a:spcBef>
@@ -1731,9 +2123,9 @@
               <a:spcAft>
                 <a:spcPts val="0"/>
               </a:spcAft>
-              <a:buSzPts val="12000"/>
-              <a:buNone/>
-              <a:defRPr sz="12000"/>
+              <a:buSzPts val="14000"/>
+              <a:buNone/>
+              <a:defRPr b="1" sz="14000"/>
             </a:lvl7pPr>
             <a:lvl8pPr lvl="7" algn="ctr">
               <a:spcBef>
@@ -1742,9 +2134,9 @@
               <a:spcAft>
                 <a:spcPts val="0"/>
               </a:spcAft>
-              <a:buSzPts val="12000"/>
-              <a:buNone/>
-              <a:defRPr sz="12000"/>
+              <a:buSzPts val="14000"/>
+              <a:buNone/>
+              <a:defRPr b="1" sz="14000"/>
             </a:lvl8pPr>
             <a:lvl9pPr lvl="8" algn="ctr">
               <a:spcBef>
@@ -1753,9 +2145,9 @@
               <a:spcAft>
                 <a:spcPts val="0"/>
               </a:spcAft>
-              <a:buSzPts val="12000"/>
-              <a:buNone/>
-              <a:defRPr sz="12000"/>
+              <a:buSzPts val="14000"/>
+              <a:buNone/>
+              <a:defRPr b="1" sz="14000"/>
             </a:lvl9pPr>
           </a:lstStyle>
           <a:p>
@@ -1775,8 +2167,8 @@
         </p:nvSpPr>
         <p:spPr>
           <a:xfrm>
-            <a:off x="311700" y="3228425"/>
-            <a:ext cx="8520600" cy="1300800"/>
+            <a:off x="311700" y="3071300"/>
+            <a:ext cx="8520600" cy="901800"/>
           </a:xfrm>
           <a:prstGeom prst="rect">
             <a:avLst/>
@@ -1900,7 +2292,7 @@
         </p:nvSpPr>
         <p:spPr>
           <a:xfrm>
-            <a:off x="8490250" y="4681009"/>
+            <a:off x="8472458" y="4663217"/>
             <a:ext cx="548700" cy="393600"/>
           </a:xfrm>
           <a:prstGeom prst="rect">
@@ -2002,7 +2394,7 @@
         </p:nvSpPr>
         <p:spPr>
           <a:xfrm>
-            <a:off x="8490250" y="4681009"/>
+            <a:off x="8472458" y="4663217"/>
             <a:ext cx="548700" cy="393600"/>
           </a:xfrm>
           <a:prstGeom prst="rect">
@@ -2080,9 +2472,16 @@
 <file path=ppt/slideLayouts/slideLayout2.xml><?xml version="1.0" encoding="utf-8"?>
 <p:sldLayout xmlns:a="http://schemas.openxmlformats.org/drawingml/2006/main" xmlns:r="http://schemas.openxmlformats.org/officeDocument/2006/relationships" xmlns:mc="http://schemas.openxmlformats.org/markup-compatibility/2006" xmlns:mv="urn:schemas-microsoft-com:mac:vml" xmlns:p="http://schemas.openxmlformats.org/presentationml/2006/main" xmlns:c="http://schemas.openxmlformats.org/drawingml/2006/chart" xmlns:dgm="http://schemas.openxmlformats.org/drawingml/2006/diagram" xmlns:o="urn:schemas-microsoft-com:office:office" xmlns:v="urn:schemas-microsoft-com:vml" xmlns:pvml="urn:schemas-microsoft-com:office:powerpoint" xmlns:com="http://schemas.openxmlformats.org/drawingml/2006/compatibility" xmlns:p14="http://schemas.microsoft.com/office/powerpoint/2010/main" xmlns:p15="http://schemas.microsoft.com/office/powerpoint/2012/main" xmlns:ahyp="http://schemas.microsoft.com/office/drawing/2018/hyperlinkcolor" matchingName="Section header" type="secHead">
   <p:cSld name="SECTION_HEADER">
+    <p:bg>
+      <p:bgPr>
+        <a:solidFill>
+          <a:schemeClr val="dk1"/>
+        </a:solidFill>
+      </p:bgPr>
+    </p:bg>
     <p:spTree>
       <p:nvGrpSpPr>
-        <p:cNvPr id="17" name="Shape 17"/>
+        <p:cNvPr id="14" name="Shape 14"/>
         <p:cNvGrpSpPr/>
         <p:nvPr/>
       </p:nvGrpSpPr>
@@ -2094,9 +2493,35 @@
           <a:chExt cx="0" cy="0"/>
         </a:xfrm>
       </p:grpSpPr>
+      <p:cxnSp>
+        <p:nvCxnSpPr>
+          <p:cNvPr id="15" name="Google Shape;15;p3"/>
+          <p:cNvCxnSpPr/>
+          <p:nvPr/>
+        </p:nvCxnSpPr>
+        <p:spPr>
+          <a:xfrm>
+            <a:off x="0" y="2998150"/>
+            <a:ext cx="9144000" cy="0"/>
+          </a:xfrm>
+          <a:prstGeom prst="straightConnector1">
+            <a:avLst/>
+          </a:prstGeom>
+          <a:noFill/>
+          <a:ln cap="flat" cmpd="sng" w="19050">
+            <a:solidFill>
+              <a:schemeClr val="lt2"/>
+            </a:solidFill>
+            <a:prstDash val="solid"/>
+            <a:round/>
+            <a:headEnd len="sm" w="sm" type="none"/>
+            <a:tailEnd len="sm" w="sm" type="none"/>
+          </a:ln>
+        </p:spPr>
+      </p:cxnSp>
       <p:sp>
         <p:nvSpPr>
-          <p:cNvPr id="18" name="Google Shape;18;p3"/>
+          <p:cNvPr id="16" name="Google Shape;16;p3"/>
           <p:cNvSpPr txBox="1"/>
           <p:nvPr>
             <p:ph type="title"/>
@@ -2104,116 +2529,179 @@
         </p:nvSpPr>
         <p:spPr>
           <a:xfrm>
-            <a:off x="671250" y="2141250"/>
-            <a:ext cx="7852200" cy="861000"/>
+            <a:off x="510450" y="2057400"/>
+            <a:ext cx="8123100" cy="778800"/>
           </a:xfrm>
           <a:prstGeom prst="rect">
             <a:avLst/>
           </a:prstGeom>
         </p:spPr>
         <p:txBody>
-          <a:bodyPr anchorCtr="0" anchor="ctr" bIns="91425" lIns="91425" spcFirstLastPara="1" rIns="91425" wrap="square" tIns="91425">
+          <a:bodyPr anchorCtr="0" anchor="b" bIns="91425" lIns="91425" spcFirstLastPara="1" rIns="91425" wrap="square" tIns="91425">
             <a:normAutofit/>
           </a:bodyPr>
           <a:lstStyle>
-            <a:lvl1pPr lvl="0" algn="ctr">
-              <a:spcBef>
-                <a:spcPts val="0"/>
-              </a:spcBef>
-              <a:spcAft>
-                <a:spcPts val="0"/>
-              </a:spcAft>
+            <a:lvl1pPr lvl="0">
+              <a:spcBef>
+                <a:spcPts val="0"/>
+              </a:spcBef>
+              <a:spcAft>
+                <a:spcPts val="0"/>
+              </a:spcAft>
+              <a:buClr>
+                <a:schemeClr val="lt1"/>
+              </a:buClr>
               <a:buSzPts val="3600"/>
               <a:buNone/>
-              <a:defRPr sz="3600"/>
+              <a:defRPr sz="3600">
+                <a:solidFill>
+                  <a:schemeClr val="lt1"/>
+                </a:solidFill>
+              </a:defRPr>
             </a:lvl1pPr>
-            <a:lvl2pPr lvl="1" algn="ctr">
-              <a:spcBef>
-                <a:spcPts val="0"/>
-              </a:spcBef>
-              <a:spcAft>
-                <a:spcPts val="0"/>
-              </a:spcAft>
+            <a:lvl2pPr lvl="1">
+              <a:spcBef>
+                <a:spcPts val="0"/>
+              </a:spcBef>
+              <a:spcAft>
+                <a:spcPts val="0"/>
+              </a:spcAft>
+              <a:buClr>
+                <a:schemeClr val="lt1"/>
+              </a:buClr>
               <a:buSzPts val="3600"/>
               <a:buNone/>
-              <a:defRPr sz="3600"/>
+              <a:defRPr sz="3600">
+                <a:solidFill>
+                  <a:schemeClr val="lt1"/>
+                </a:solidFill>
+              </a:defRPr>
             </a:lvl2pPr>
-            <a:lvl3pPr lvl="2" algn="ctr">
-              <a:spcBef>
-                <a:spcPts val="0"/>
-              </a:spcBef>
-              <a:spcAft>
-                <a:spcPts val="0"/>
-              </a:spcAft>
+            <a:lvl3pPr lvl="2">
+              <a:spcBef>
+                <a:spcPts val="0"/>
+              </a:spcBef>
+              <a:spcAft>
+                <a:spcPts val="0"/>
+              </a:spcAft>
+              <a:buClr>
+                <a:schemeClr val="lt1"/>
+              </a:buClr>
               <a:buSzPts val="3600"/>
               <a:buNone/>
-              <a:defRPr sz="3600"/>
+              <a:defRPr sz="3600">
+                <a:solidFill>
+                  <a:schemeClr val="lt1"/>
+                </a:solidFill>
+              </a:defRPr>
             </a:lvl3pPr>
-            <a:lvl4pPr lvl="3" algn="ctr">
-              <a:spcBef>
-                <a:spcPts val="0"/>
-              </a:spcBef>
-              <a:spcAft>
-                <a:spcPts val="0"/>
-              </a:spcAft>
+            <a:lvl4pPr lvl="3">
+              <a:spcBef>
+                <a:spcPts val="0"/>
+              </a:spcBef>
+              <a:spcAft>
+                <a:spcPts val="0"/>
+              </a:spcAft>
+              <a:buClr>
+                <a:schemeClr val="lt1"/>
+              </a:buClr>
               <a:buSzPts val="3600"/>
               <a:buNone/>
-              <a:defRPr sz="3600"/>
+              <a:defRPr sz="3600">
+                <a:solidFill>
+                  <a:schemeClr val="lt1"/>
+                </a:solidFill>
+              </a:defRPr>
             </a:lvl4pPr>
-            <a:lvl5pPr lvl="4" algn="ctr">
-              <a:spcBef>
-                <a:spcPts val="0"/>
-              </a:spcBef>
-              <a:spcAft>
-                <a:spcPts val="0"/>
-              </a:spcAft>
+            <a:lvl5pPr lvl="4">
+              <a:spcBef>
+                <a:spcPts val="0"/>
+              </a:spcBef>
+              <a:spcAft>
+                <a:spcPts val="0"/>
+              </a:spcAft>
+              <a:buClr>
+                <a:schemeClr val="lt1"/>
+              </a:buClr>
               <a:buSzPts val="3600"/>
               <a:buNone/>
-              <a:defRPr sz="3600"/>
+              <a:defRPr sz="3600">
+                <a:solidFill>
+                  <a:schemeClr val="lt1"/>
+                </a:solidFill>
+              </a:defRPr>
             </a:lvl5pPr>
-            <a:lvl6pPr lvl="5" algn="ctr">
-              <a:spcBef>
-                <a:spcPts val="0"/>
-              </a:spcBef>
-              <a:spcAft>
-                <a:spcPts val="0"/>
-              </a:spcAft>
+            <a:lvl6pPr lvl="5">
+              <a:spcBef>
+                <a:spcPts val="0"/>
+              </a:spcBef>
+              <a:spcAft>
+                <a:spcPts val="0"/>
+              </a:spcAft>
+              <a:buClr>
+                <a:schemeClr val="lt1"/>
+              </a:buClr>
               <a:buSzPts val="3600"/>
               <a:buNone/>
-              <a:defRPr sz="3600"/>
+              <a:defRPr sz="3600">
+                <a:solidFill>
+                  <a:schemeClr val="lt1"/>
+                </a:solidFill>
+              </a:defRPr>
             </a:lvl6pPr>
-            <a:lvl7pPr lvl="6" algn="ctr">
-              <a:spcBef>
-                <a:spcPts val="0"/>
-              </a:spcBef>
-              <a:spcAft>
-                <a:spcPts val="0"/>
-              </a:spcAft>
+            <a:lvl7pPr lvl="6">
+              <a:spcBef>
+                <a:spcPts val="0"/>
+              </a:spcBef>
+              <a:spcAft>
+                <a:spcPts val="0"/>
+              </a:spcAft>
+              <a:buClr>
+                <a:schemeClr val="lt1"/>
+              </a:buClr>
               <a:buSzPts val="3600"/>
               <a:buNone/>
-              <a:defRPr sz="3600"/>
+              <a:defRPr sz="3600">
+                <a:solidFill>
+                  <a:schemeClr val="lt1"/>
+                </a:solidFill>
+              </a:defRPr>
             </a:lvl7pPr>
-            <a:lvl8pPr lvl="7" algn="ctr">
-              <a:spcBef>
-                <a:spcPts val="0"/>
-              </a:spcBef>
-              <a:spcAft>
-                <a:spcPts val="0"/>
-              </a:spcAft>
+            <a:lvl8pPr lvl="7">
+              <a:spcBef>
+                <a:spcPts val="0"/>
+              </a:spcBef>
+              <a:spcAft>
+                <a:spcPts val="0"/>
+              </a:spcAft>
+              <a:buClr>
+                <a:schemeClr val="lt1"/>
+              </a:buClr>
               <a:buSzPts val="3600"/>
               <a:buNone/>
-              <a:defRPr sz="3600"/>
+              <a:defRPr sz="3600">
+                <a:solidFill>
+                  <a:schemeClr val="lt1"/>
+                </a:solidFill>
+              </a:defRPr>
             </a:lvl8pPr>
-            <a:lvl9pPr lvl="8" algn="ctr">
-              <a:spcBef>
-                <a:spcPts val="0"/>
-              </a:spcBef>
-              <a:spcAft>
-                <a:spcPts val="0"/>
-              </a:spcAft>
+            <a:lvl9pPr lvl="8">
+              <a:spcBef>
+                <a:spcPts val="0"/>
+              </a:spcBef>
+              <a:spcAft>
+                <a:spcPts val="0"/>
+              </a:spcAft>
+              <a:buClr>
+                <a:schemeClr val="lt1"/>
+              </a:buClr>
               <a:buSzPts val="3600"/>
               <a:buNone/>
-              <a:defRPr sz="3600"/>
+              <a:defRPr sz="3600">
+                <a:solidFill>
+                  <a:schemeClr val="lt1"/>
+                </a:solidFill>
+              </a:defRPr>
             </a:lvl9pPr>
           </a:lstStyle>
           <a:p/>
@@ -2221,7 +2709,7 @@
       </p:sp>
       <p:sp>
         <p:nvSpPr>
-          <p:cNvPr id="19" name="Google Shape;19;p3"/>
+          <p:cNvPr id="17" name="Google Shape;17;p3"/>
           <p:cNvSpPr txBox="1"/>
           <p:nvPr>
             <p:ph idx="12" type="sldNum"/>
@@ -2229,7 +2717,7 @@
         </p:nvSpPr>
         <p:spPr>
           <a:xfrm>
-            <a:off x="8490250" y="4681009"/>
+            <a:off x="8472458" y="4663217"/>
             <a:ext cx="548700" cy="393600"/>
           </a:xfrm>
           <a:prstGeom prst="rect">
@@ -2243,39 +2731,75 @@
           <a:lstStyle>
             <a:lvl1pPr lvl="0">
               <a:buNone/>
-              <a:defRPr/>
+              <a:defRPr>
+                <a:solidFill>
+                  <a:schemeClr val="lt1"/>
+                </a:solidFill>
+              </a:defRPr>
             </a:lvl1pPr>
             <a:lvl2pPr lvl="1">
               <a:buNone/>
-              <a:defRPr/>
+              <a:defRPr>
+                <a:solidFill>
+                  <a:schemeClr val="lt1"/>
+                </a:solidFill>
+              </a:defRPr>
             </a:lvl2pPr>
             <a:lvl3pPr lvl="2">
               <a:buNone/>
-              <a:defRPr/>
+              <a:defRPr>
+                <a:solidFill>
+                  <a:schemeClr val="lt1"/>
+                </a:solidFill>
+              </a:defRPr>
             </a:lvl3pPr>
             <a:lvl4pPr lvl="3">
               <a:buNone/>
-              <a:defRPr/>
+              <a:defRPr>
+                <a:solidFill>
+                  <a:schemeClr val="lt1"/>
+                </a:solidFill>
+              </a:defRPr>
             </a:lvl4pPr>
             <a:lvl5pPr lvl="4">
               <a:buNone/>
-              <a:defRPr/>
+              <a:defRPr>
+                <a:solidFill>
+                  <a:schemeClr val="lt1"/>
+                </a:solidFill>
+              </a:defRPr>
             </a:lvl5pPr>
             <a:lvl6pPr lvl="5">
               <a:buNone/>
-              <a:defRPr/>
+              <a:defRPr>
+                <a:solidFill>
+                  <a:schemeClr val="lt1"/>
+                </a:solidFill>
+              </a:defRPr>
             </a:lvl6pPr>
             <a:lvl7pPr lvl="6">
               <a:buNone/>
-              <a:defRPr/>
+              <a:defRPr>
+                <a:solidFill>
+                  <a:schemeClr val="lt1"/>
+                </a:solidFill>
+              </a:defRPr>
             </a:lvl7pPr>
             <a:lvl8pPr lvl="7">
               <a:buNone/>
-              <a:defRPr/>
+              <a:defRPr>
+                <a:solidFill>
+                  <a:schemeClr val="lt1"/>
+                </a:solidFill>
+              </a:defRPr>
             </a:lvl8pPr>
             <a:lvl9pPr lvl="8">
               <a:buNone/>
-              <a:defRPr/>
+              <a:defRPr>
+                <a:solidFill>
+                  <a:schemeClr val="lt1"/>
+                </a:solidFill>
+              </a:defRPr>
             </a:lvl9pPr>
           </a:lstStyle>
           <a:p>
@@ -2309,7 +2833,7 @@
   <p:cSld name="TITLE_AND_BODY">
     <p:spTree>
       <p:nvGrpSpPr>
-        <p:cNvPr id="20" name="Shape 20"/>
+        <p:cNvPr id="18" name="Shape 18"/>
         <p:cNvGrpSpPr/>
         <p:nvPr/>
       </p:nvGrpSpPr>
@@ -2323,7 +2847,50 @@
       </p:grpSpPr>
       <p:sp>
         <p:nvSpPr>
-          <p:cNvPr id="21" name="Google Shape;21;p4"/>
+          <p:cNvPr id="19" name="Google Shape;19;p4"/>
+          <p:cNvSpPr/>
+          <p:nvPr/>
+        </p:nvSpPr>
+        <p:spPr>
+          <a:xfrm>
+            <a:off x="0" y="5045700"/>
+            <a:ext cx="9144000" cy="97800"/>
+          </a:xfrm>
+          <a:prstGeom prst="rect">
+            <a:avLst/>
+          </a:prstGeom>
+          <a:solidFill>
+            <a:schemeClr val="lt2"/>
+          </a:solidFill>
+          <a:ln>
+            <a:noFill/>
+          </a:ln>
+        </p:spPr>
+        <p:txBody>
+          <a:bodyPr anchorCtr="0" anchor="ctr" bIns="91425" lIns="91425" spcFirstLastPara="1" rIns="91425" wrap="square" tIns="91425">
+            <a:noAutofit/>
+          </a:bodyPr>
+          <a:lstStyle/>
+          <a:p>
+            <a:pPr indent="0" lvl="0" marL="0" rtl="0" algn="l">
+              <a:spcBef>
+                <a:spcPts val="0"/>
+              </a:spcBef>
+              <a:spcAft>
+                <a:spcPts val="0"/>
+              </a:spcAft>
+              <a:buNone/>
+            </a:pPr>
+            <a:r>
+              <a:t/>
+            </a:r>
+            <a:endParaRPr/>
+          </a:p>
+        </p:txBody>
+      </p:sp>
+      <p:sp>
+        <p:nvSpPr>
+          <p:cNvPr id="20" name="Google Shape;20;p4"/>
           <p:cNvSpPr txBox="1"/>
           <p:nvPr>
             <p:ph type="title"/>
@@ -2350,7 +2917,7 @@
               <a:spcAft>
                 <a:spcPts val="0"/>
               </a:spcAft>
-              <a:buSzPts val="3000"/>
+              <a:buSzPts val="2800"/>
               <a:buNone/>
               <a:defRPr/>
             </a:lvl1pPr>
@@ -2361,7 +2928,7 @@
               <a:spcAft>
                 <a:spcPts val="0"/>
               </a:spcAft>
-              <a:buSzPts val="3000"/>
+              <a:buSzPts val="2800"/>
               <a:buNone/>
               <a:defRPr/>
             </a:lvl2pPr>
@@ -2372,7 +2939,7 @@
               <a:spcAft>
                 <a:spcPts val="0"/>
               </a:spcAft>
-              <a:buSzPts val="3000"/>
+              <a:buSzPts val="2800"/>
               <a:buNone/>
               <a:defRPr/>
             </a:lvl3pPr>
@@ -2383,7 +2950,7 @@
               <a:spcAft>
                 <a:spcPts val="0"/>
               </a:spcAft>
-              <a:buSzPts val="3000"/>
+              <a:buSzPts val="2800"/>
               <a:buNone/>
               <a:defRPr/>
             </a:lvl4pPr>
@@ -2394,7 +2961,7 @@
               <a:spcAft>
                 <a:spcPts val="0"/>
               </a:spcAft>
-              <a:buSzPts val="3000"/>
+              <a:buSzPts val="2800"/>
               <a:buNone/>
               <a:defRPr/>
             </a:lvl5pPr>
@@ -2405,7 +2972,7 @@
               <a:spcAft>
                 <a:spcPts val="0"/>
               </a:spcAft>
-              <a:buSzPts val="3000"/>
+              <a:buSzPts val="2800"/>
               <a:buNone/>
               <a:defRPr/>
             </a:lvl6pPr>
@@ -2416,7 +2983,7 @@
               <a:spcAft>
                 <a:spcPts val="0"/>
               </a:spcAft>
-              <a:buSzPts val="3000"/>
+              <a:buSzPts val="2800"/>
               <a:buNone/>
               <a:defRPr/>
             </a:lvl7pPr>
@@ -2427,7 +2994,7 @@
               <a:spcAft>
                 <a:spcPts val="0"/>
               </a:spcAft>
-              <a:buSzPts val="3000"/>
+              <a:buSzPts val="2800"/>
               <a:buNone/>
               <a:defRPr/>
             </a:lvl8pPr>
@@ -2438,7 +3005,7 @@
               <a:spcAft>
                 <a:spcPts val="0"/>
               </a:spcAft>
-              <a:buSzPts val="3000"/>
+              <a:buSzPts val="2800"/>
               <a:buNone/>
               <a:defRPr/>
             </a:lvl9pPr>
@@ -2448,7 +3015,7 @@
       </p:sp>
       <p:sp>
         <p:nvSpPr>
-          <p:cNvPr id="22" name="Google Shape;22;p4"/>
+          <p:cNvPr id="21" name="Google Shape;21;p4"/>
           <p:cNvSpPr txBox="1"/>
           <p:nvPr>
             <p:ph idx="1" type="body"/>
@@ -2573,7 +3140,7 @@
       </p:sp>
       <p:sp>
         <p:nvSpPr>
-          <p:cNvPr id="23" name="Google Shape;23;p4"/>
+          <p:cNvPr id="22" name="Google Shape;22;p4"/>
           <p:cNvSpPr txBox="1"/>
           <p:nvPr>
             <p:ph idx="12" type="sldNum"/>
@@ -2581,7 +3148,7 @@
         </p:nvSpPr>
         <p:spPr>
           <a:xfrm>
-            <a:off x="8490250" y="4681009"/>
+            <a:off x="8472458" y="4663217"/>
             <a:ext cx="548700" cy="393600"/>
           </a:xfrm>
           <a:prstGeom prst="rect">
@@ -2661,7 +3228,7 @@
   <p:cSld name="TITLE_AND_TWO_COLUMNS">
     <p:spTree>
       <p:nvGrpSpPr>
-        <p:cNvPr id="24" name="Shape 24"/>
+        <p:cNvPr id="23" name="Shape 23"/>
         <p:cNvGrpSpPr/>
         <p:nvPr/>
       </p:nvGrpSpPr>
@@ -2675,7 +3242,7 @@
       </p:grpSpPr>
       <p:sp>
         <p:nvSpPr>
-          <p:cNvPr id="25" name="Google Shape;25;p5"/>
+          <p:cNvPr id="24" name="Google Shape;24;p5"/>
           <p:cNvSpPr txBox="1"/>
           <p:nvPr>
             <p:ph type="title"/>
@@ -2702,7 +3269,7 @@
               <a:spcAft>
                 <a:spcPts val="0"/>
               </a:spcAft>
-              <a:buSzPts val="3000"/>
+              <a:buSzPts val="2800"/>
               <a:buNone/>
               <a:defRPr/>
             </a:lvl1pPr>
@@ -2713,7 +3280,7 @@
               <a:spcAft>
                 <a:spcPts val="0"/>
               </a:spcAft>
-              <a:buSzPts val="3000"/>
+              <a:buSzPts val="2800"/>
               <a:buNone/>
               <a:defRPr/>
             </a:lvl2pPr>
@@ -2724,7 +3291,7 @@
               <a:spcAft>
                 <a:spcPts val="0"/>
               </a:spcAft>
-              <a:buSzPts val="3000"/>
+              <a:buSzPts val="2800"/>
               <a:buNone/>
               <a:defRPr/>
             </a:lvl3pPr>
@@ -2735,7 +3302,7 @@
               <a:spcAft>
                 <a:spcPts val="0"/>
               </a:spcAft>
-              <a:buSzPts val="3000"/>
+              <a:buSzPts val="2800"/>
               <a:buNone/>
               <a:defRPr/>
             </a:lvl4pPr>
@@ -2746,7 +3313,7 @@
               <a:spcAft>
                 <a:spcPts val="0"/>
               </a:spcAft>
-              <a:buSzPts val="3000"/>
+              <a:buSzPts val="2800"/>
               <a:buNone/>
               <a:defRPr/>
             </a:lvl5pPr>
@@ -2757,7 +3324,7 @@
               <a:spcAft>
                 <a:spcPts val="0"/>
               </a:spcAft>
-              <a:buSzPts val="3000"/>
+              <a:buSzPts val="2800"/>
               <a:buNone/>
               <a:defRPr/>
             </a:lvl6pPr>
@@ -2768,7 +3335,7 @@
               <a:spcAft>
                 <a:spcPts val="0"/>
               </a:spcAft>
-              <a:buSzPts val="3000"/>
+              <a:buSzPts val="2800"/>
               <a:buNone/>
               <a:defRPr/>
             </a:lvl7pPr>
@@ -2779,7 +3346,7 @@
               <a:spcAft>
                 <a:spcPts val="0"/>
               </a:spcAft>
-              <a:buSzPts val="3000"/>
+              <a:buSzPts val="2800"/>
               <a:buNone/>
               <a:defRPr/>
             </a:lvl8pPr>
@@ -2790,7 +3357,7 @@
               <a:spcAft>
                 <a:spcPts val="0"/>
               </a:spcAft>
-              <a:buSzPts val="3000"/>
+              <a:buSzPts val="2800"/>
               <a:buNone/>
               <a:defRPr/>
             </a:lvl9pPr>
@@ -2800,7 +3367,7 @@
       </p:sp>
       <p:sp>
         <p:nvSpPr>
-          <p:cNvPr id="26" name="Google Shape;26;p5"/>
+          <p:cNvPr id="25" name="Google Shape;25;p5"/>
           <p:cNvSpPr txBox="1"/>
           <p:nvPr>
             <p:ph idx="1" type="body"/>
@@ -2925,7 +3492,7 @@
       </p:sp>
       <p:sp>
         <p:nvSpPr>
-          <p:cNvPr id="27" name="Google Shape;27;p5"/>
+          <p:cNvPr id="26" name="Google Shape;26;p5"/>
           <p:cNvSpPr txBox="1"/>
           <p:nvPr>
             <p:ph idx="2" type="body"/>
@@ -3050,7 +3617,7 @@
       </p:sp>
       <p:sp>
         <p:nvSpPr>
-          <p:cNvPr id="28" name="Google Shape;28;p5"/>
+          <p:cNvPr id="27" name="Google Shape;27;p5"/>
           <p:cNvSpPr txBox="1"/>
           <p:nvPr>
             <p:ph idx="12" type="sldNum"/>
@@ -3058,7 +3625,7 @@
         </p:nvSpPr>
         <p:spPr>
           <a:xfrm>
-            <a:off x="8490250" y="4681009"/>
+            <a:off x="8472458" y="4663217"/>
             <a:ext cx="548700" cy="393600"/>
           </a:xfrm>
           <a:prstGeom prst="rect">
@@ -3138,7 +3705,7 @@
   <p:cSld name="TITLE_ONLY">
     <p:spTree>
       <p:nvGrpSpPr>
-        <p:cNvPr id="29" name="Shape 29"/>
+        <p:cNvPr id="28" name="Shape 28"/>
         <p:cNvGrpSpPr/>
         <p:nvPr/>
       </p:nvGrpSpPr>
@@ -3152,7 +3719,7 @@
       </p:grpSpPr>
       <p:sp>
         <p:nvSpPr>
-          <p:cNvPr id="30" name="Google Shape;30;p6"/>
+          <p:cNvPr id="29" name="Google Shape;29;p6"/>
           <p:cNvSpPr txBox="1"/>
           <p:nvPr>
             <p:ph type="title"/>
@@ -3179,7 +3746,7 @@
               <a:spcAft>
                 <a:spcPts val="0"/>
               </a:spcAft>
-              <a:buSzPts val="3000"/>
+              <a:buSzPts val="2800"/>
               <a:buNone/>
               <a:defRPr/>
             </a:lvl1pPr>
@@ -3190,7 +3757,7 @@
               <a:spcAft>
                 <a:spcPts val="0"/>
               </a:spcAft>
-              <a:buSzPts val="3000"/>
+              <a:buSzPts val="2800"/>
               <a:buNone/>
               <a:defRPr/>
             </a:lvl2pPr>
@@ -3201,7 +3768,7 @@
               <a:spcAft>
                 <a:spcPts val="0"/>
               </a:spcAft>
-              <a:buSzPts val="3000"/>
+              <a:buSzPts val="2800"/>
               <a:buNone/>
               <a:defRPr/>
             </a:lvl3pPr>
@@ -3212,7 +3779,7 @@
               <a:spcAft>
                 <a:spcPts val="0"/>
               </a:spcAft>
-              <a:buSzPts val="3000"/>
+              <a:buSzPts val="2800"/>
               <a:buNone/>
               <a:defRPr/>
             </a:lvl4pPr>
@@ -3223,7 +3790,7 @@
               <a:spcAft>
                 <a:spcPts val="0"/>
               </a:spcAft>
-              <a:buSzPts val="3000"/>
+              <a:buSzPts val="2800"/>
               <a:buNone/>
               <a:defRPr/>
             </a:lvl5pPr>
@@ -3234,7 +3801,7 @@
               <a:spcAft>
                 <a:spcPts val="0"/>
               </a:spcAft>
-              <a:buSzPts val="3000"/>
+              <a:buSzPts val="2800"/>
               <a:buNone/>
               <a:defRPr/>
             </a:lvl6pPr>
@@ -3245,7 +3812,7 @@
               <a:spcAft>
                 <a:spcPts val="0"/>
               </a:spcAft>
-              <a:buSzPts val="3000"/>
+              <a:buSzPts val="2800"/>
               <a:buNone/>
               <a:defRPr/>
             </a:lvl7pPr>
@@ -3256,7 +3823,7 @@
               <a:spcAft>
                 <a:spcPts val="0"/>
               </a:spcAft>
-              <a:buSzPts val="3000"/>
+              <a:buSzPts val="2800"/>
               <a:buNone/>
               <a:defRPr/>
             </a:lvl8pPr>
@@ -3267,7 +3834,7 @@
               <a:spcAft>
                 <a:spcPts val="0"/>
               </a:spcAft>
-              <a:buSzPts val="3000"/>
+              <a:buSzPts val="2800"/>
               <a:buNone/>
               <a:defRPr/>
             </a:lvl9pPr>
@@ -3277,7 +3844,7 @@
       </p:sp>
       <p:sp>
         <p:nvSpPr>
-          <p:cNvPr id="31" name="Google Shape;31;p6"/>
+          <p:cNvPr id="30" name="Google Shape;30;p6"/>
           <p:cNvSpPr txBox="1"/>
           <p:nvPr>
             <p:ph idx="12" type="sldNum"/>
@@ -3285,7 +3852,7 @@
         </p:nvSpPr>
         <p:spPr>
           <a:xfrm>
-            <a:off x="8490250" y="4681009"/>
+            <a:off x="8472458" y="4663217"/>
             <a:ext cx="548700" cy="393600"/>
           </a:xfrm>
           <a:prstGeom prst="rect">
@@ -3365,7 +3932,7 @@
   <p:cSld name="ONE_COLUMN_TEXT">
     <p:spTree>
       <p:nvGrpSpPr>
-        <p:cNvPr id="32" name="Shape 32"/>
+        <p:cNvPr id="31" name="Shape 31"/>
         <p:cNvGrpSpPr/>
         <p:nvPr/>
       </p:nvGrpSpPr>
@@ -3379,7 +3946,7 @@
       </p:grpSpPr>
       <p:sp>
         <p:nvSpPr>
-          <p:cNvPr id="33" name="Google Shape;33;p7"/>
+          <p:cNvPr id="32" name="Google Shape;32;p7"/>
           <p:cNvSpPr txBox="1"/>
           <p:nvPr>
             <p:ph type="title"/>
@@ -3504,7 +4071,7 @@
       </p:sp>
       <p:sp>
         <p:nvSpPr>
-          <p:cNvPr id="34" name="Google Shape;34;p7"/>
+          <p:cNvPr id="33" name="Google Shape;33;p7"/>
           <p:cNvSpPr txBox="1"/>
           <p:nvPr>
             <p:ph idx="1" type="body"/>
@@ -3629,7 +4196,7 @@
       </p:sp>
       <p:sp>
         <p:nvSpPr>
-          <p:cNvPr id="35" name="Google Shape;35;p7"/>
+          <p:cNvPr id="34" name="Google Shape;34;p7"/>
           <p:cNvSpPr txBox="1"/>
           <p:nvPr>
             <p:ph idx="12" type="sldNum"/>
@@ -3637,7 +4204,7 @@
         </p:nvSpPr>
         <p:spPr>
           <a:xfrm>
-            <a:off x="8490250" y="4681009"/>
+            <a:off x="8472458" y="4663217"/>
             <a:ext cx="548700" cy="393600"/>
           </a:xfrm>
           <a:prstGeom prst="rect">
@@ -3724,7 +4291,7 @@
     </p:bg>
     <p:spTree>
       <p:nvGrpSpPr>
-        <p:cNvPr id="36" name="Shape 36"/>
+        <p:cNvPr id="35" name="Shape 35"/>
         <p:cNvGrpSpPr/>
         <p:nvPr/>
       </p:nvGrpSpPr>
@@ -3738,7 +4305,7 @@
       </p:grpSpPr>
       <p:sp>
         <p:nvSpPr>
-          <p:cNvPr id="37" name="Google Shape;37;p8"/>
+          <p:cNvPr id="36" name="Google Shape;36;p8"/>
           <p:cNvSpPr txBox="1"/>
           <p:nvPr>
             <p:ph type="title"/>
@@ -3747,7 +4314,7 @@
         <p:spPr>
           <a:xfrm>
             <a:off x="490250" y="526350"/>
-            <a:ext cx="6227100" cy="4090800"/>
+            <a:ext cx="5797500" cy="4090800"/>
           </a:xfrm>
           <a:prstGeom prst="rect">
             <a:avLst/>
@@ -3765,16 +4332,9 @@
               <a:spcAft>
                 <a:spcPts val="0"/>
               </a:spcAft>
-              <a:buClr>
-                <a:schemeClr val="lt1"/>
-              </a:buClr>
               <a:buSzPts val="4800"/>
               <a:buNone/>
-              <a:defRPr sz="4800">
-                <a:solidFill>
-                  <a:schemeClr val="lt1"/>
-                </a:solidFill>
-              </a:defRPr>
+              <a:defRPr sz="4800"/>
             </a:lvl1pPr>
             <a:lvl2pPr lvl="1">
               <a:spcBef>
@@ -3783,16 +4343,9 @@
               <a:spcAft>
                 <a:spcPts val="0"/>
               </a:spcAft>
-              <a:buClr>
-                <a:schemeClr val="lt1"/>
-              </a:buClr>
               <a:buSzPts val="4800"/>
               <a:buNone/>
-              <a:defRPr sz="4800">
-                <a:solidFill>
-                  <a:schemeClr val="lt1"/>
-                </a:solidFill>
-              </a:defRPr>
+              <a:defRPr sz="4800"/>
             </a:lvl2pPr>
             <a:lvl3pPr lvl="2">
               <a:spcBef>
@@ -3801,16 +4354,9 @@
               <a:spcAft>
                 <a:spcPts val="0"/>
               </a:spcAft>
-              <a:buClr>
-                <a:schemeClr val="lt1"/>
-              </a:buClr>
               <a:buSzPts val="4800"/>
               <a:buNone/>
-              <a:defRPr sz="4800">
-                <a:solidFill>
-                  <a:schemeClr val="lt1"/>
-                </a:solidFill>
-              </a:defRPr>
+              <a:defRPr sz="4800"/>
             </a:lvl3pPr>
             <a:lvl4pPr lvl="3">
               <a:spcBef>
@@ -3819,16 +4365,9 @@
               <a:spcAft>
                 <a:spcPts val="0"/>
               </a:spcAft>
-              <a:buClr>
-                <a:schemeClr val="lt1"/>
-              </a:buClr>
               <a:buSzPts val="4800"/>
               <a:buNone/>
-              <a:defRPr sz="4800">
-                <a:solidFill>
-                  <a:schemeClr val="lt1"/>
-                </a:solidFill>
-              </a:defRPr>
+              <a:defRPr sz="4800"/>
             </a:lvl4pPr>
             <a:lvl5pPr lvl="4">
               <a:spcBef>
@@ -3837,16 +4376,9 @@
               <a:spcAft>
                 <a:spcPts val="0"/>
               </a:spcAft>
-              <a:buClr>
-                <a:schemeClr val="lt1"/>
-              </a:buClr>
               <a:buSzPts val="4800"/>
               <a:buNone/>
-              <a:defRPr sz="4800">
-                <a:solidFill>
-                  <a:schemeClr val="lt1"/>
-                </a:solidFill>
-              </a:defRPr>
+              <a:defRPr sz="4800"/>
             </a:lvl5pPr>
             <a:lvl6pPr lvl="5">
               <a:spcBef>
@@ -3855,16 +4387,9 @@
               <a:spcAft>
                 <a:spcPts val="0"/>
               </a:spcAft>
-              <a:buClr>
-                <a:schemeClr val="lt1"/>
-              </a:buClr>
               <a:buSzPts val="4800"/>
               <a:buNone/>
-              <a:defRPr sz="4800">
-                <a:solidFill>
-                  <a:schemeClr val="lt1"/>
-                </a:solidFill>
-              </a:defRPr>
+              <a:defRPr sz="4800"/>
             </a:lvl6pPr>
             <a:lvl7pPr lvl="6">
               <a:spcBef>
@@ -3873,16 +4398,9 @@
               <a:spcAft>
                 <a:spcPts val="0"/>
               </a:spcAft>
-              <a:buClr>
-                <a:schemeClr val="lt1"/>
-              </a:buClr>
               <a:buSzPts val="4800"/>
               <a:buNone/>
-              <a:defRPr sz="4800">
-                <a:solidFill>
-                  <a:schemeClr val="lt1"/>
-                </a:solidFill>
-              </a:defRPr>
+              <a:defRPr sz="4800"/>
             </a:lvl7pPr>
             <a:lvl8pPr lvl="7">
               <a:spcBef>
@@ -3891,16 +4409,9 @@
               <a:spcAft>
                 <a:spcPts val="0"/>
               </a:spcAft>
-              <a:buClr>
-                <a:schemeClr val="lt1"/>
-              </a:buClr>
               <a:buSzPts val="4800"/>
               <a:buNone/>
-              <a:defRPr sz="4800">
-                <a:solidFill>
-                  <a:schemeClr val="lt1"/>
-                </a:solidFill>
-              </a:defRPr>
+              <a:defRPr sz="4800"/>
             </a:lvl8pPr>
             <a:lvl9pPr lvl="8">
               <a:spcBef>
@@ -3909,16 +4420,9 @@
               <a:spcAft>
                 <a:spcPts val="0"/>
               </a:spcAft>
-              <a:buClr>
-                <a:schemeClr val="lt1"/>
-              </a:buClr>
               <a:buSzPts val="4800"/>
               <a:buNone/>
-              <a:defRPr sz="4800">
-                <a:solidFill>
-                  <a:schemeClr val="lt1"/>
-                </a:solidFill>
-              </a:defRPr>
+              <a:defRPr sz="4800"/>
             </a:lvl9pPr>
           </a:lstStyle>
           <a:p/>
@@ -3926,7 +4430,7 @@
       </p:sp>
       <p:sp>
         <p:nvSpPr>
-          <p:cNvPr id="38" name="Google Shape;38;p8"/>
+          <p:cNvPr id="37" name="Google Shape;37;p8"/>
           <p:cNvSpPr txBox="1"/>
           <p:nvPr>
             <p:ph idx="12" type="sldNum"/>
@@ -3934,7 +4438,7 @@
         </p:nvSpPr>
         <p:spPr>
           <a:xfrm>
-            <a:off x="8490250" y="4681009"/>
+            <a:off x="8472458" y="4663217"/>
             <a:ext cx="548700" cy="393600"/>
           </a:xfrm>
           <a:prstGeom prst="rect">
@@ -3948,75 +4452,39 @@
           <a:lstStyle>
             <a:lvl1pPr lvl="0">
               <a:buNone/>
-              <a:defRPr>
-                <a:solidFill>
-                  <a:schemeClr val="lt1"/>
-                </a:solidFill>
-              </a:defRPr>
+              <a:defRPr/>
             </a:lvl1pPr>
             <a:lvl2pPr lvl="1">
               <a:buNone/>
-              <a:defRPr>
-                <a:solidFill>
-                  <a:schemeClr val="lt1"/>
-                </a:solidFill>
-              </a:defRPr>
+              <a:defRPr/>
             </a:lvl2pPr>
             <a:lvl3pPr lvl="2">
               <a:buNone/>
-              <a:defRPr>
-                <a:solidFill>
-                  <a:schemeClr val="lt1"/>
-                </a:solidFill>
-              </a:defRPr>
+              <a:defRPr/>
             </a:lvl3pPr>
             <a:lvl4pPr lvl="3">
               <a:buNone/>
-              <a:defRPr>
-                <a:solidFill>
-                  <a:schemeClr val="lt1"/>
-                </a:solidFill>
-              </a:defRPr>
+              <a:defRPr/>
             </a:lvl4pPr>
             <a:lvl5pPr lvl="4">
               <a:buNone/>
-              <a:defRPr>
-                <a:solidFill>
-                  <a:schemeClr val="lt1"/>
-                </a:solidFill>
-              </a:defRPr>
+              <a:defRPr/>
             </a:lvl5pPr>
             <a:lvl6pPr lvl="5">
               <a:buNone/>
-              <a:defRPr>
-                <a:solidFill>
-                  <a:schemeClr val="lt1"/>
-                </a:solidFill>
-              </a:defRPr>
+              <a:defRPr/>
             </a:lvl6pPr>
             <a:lvl7pPr lvl="6">
               <a:buNone/>
-              <a:defRPr>
-                <a:solidFill>
-                  <a:schemeClr val="lt1"/>
-                </a:solidFill>
-              </a:defRPr>
+              <a:defRPr/>
             </a:lvl7pPr>
             <a:lvl8pPr lvl="7">
               <a:buNone/>
-              <a:defRPr>
-                <a:solidFill>
-                  <a:schemeClr val="lt1"/>
-                </a:solidFill>
-              </a:defRPr>
+              <a:defRPr/>
             </a:lvl8pPr>
             <a:lvl9pPr lvl="8">
               <a:buNone/>
-              <a:defRPr>
-                <a:solidFill>
-                  <a:schemeClr val="lt1"/>
-                </a:solidFill>
-              </a:defRPr>
+              <a:defRPr/>
             </a:lvl9pPr>
           </a:lstStyle>
           <a:p>
@@ -4050,7 +4518,7 @@
   <p:cSld name="SECTION_TITLE_AND_DESCRIPTION">
     <p:spTree>
       <p:nvGrpSpPr>
-        <p:cNvPr id="39" name="Shape 39"/>
+        <p:cNvPr id="38" name="Shape 38"/>
         <p:cNvGrpSpPr/>
         <p:nvPr/>
       </p:nvGrpSpPr>
@@ -4064,13 +4532,13 @@
       </p:grpSpPr>
       <p:sp>
         <p:nvSpPr>
-          <p:cNvPr id="40" name="Google Shape;40;p9"/>
+          <p:cNvPr id="39" name="Google Shape;39;p9"/>
           <p:cNvSpPr/>
           <p:nvPr/>
         </p:nvSpPr>
         <p:spPr>
           <a:xfrm>
-            <a:off x="4572000" y="0"/>
+            <a:off x="4572000" y="75"/>
             <a:ext cx="4572000" cy="5143500"/>
           </a:xfrm>
           <a:prstGeom prst="rect">
@@ -4107,7 +4575,7 @@
       </p:sp>
       <p:cxnSp>
         <p:nvCxnSpPr>
-          <p:cNvPr id="41" name="Google Shape;41;p9"/>
+          <p:cNvPr id="40" name="Google Shape;40;p9"/>
           <p:cNvCxnSpPr/>
           <p:nvPr/>
         </p:nvCxnSpPr>
@@ -4122,7 +4590,7 @@
           <a:noFill/>
           <a:ln cap="flat" cmpd="sng" w="19050">
             <a:solidFill>
-              <a:schemeClr val="lt1"/>
+              <a:schemeClr val="lt2"/>
             </a:solidFill>
             <a:prstDash val="solid"/>
             <a:round/>
@@ -4133,7 +4601,7 @@
       </p:cxnSp>
       <p:sp>
         <p:nvSpPr>
-          <p:cNvPr id="42" name="Google Shape;42;p9"/>
+          <p:cNvPr id="41" name="Google Shape;41;p9"/>
           <p:cNvSpPr txBox="1"/>
           <p:nvPr>
             <p:ph type="title"/>
@@ -4141,8 +4609,8 @@
         </p:nvSpPr>
         <p:spPr>
           <a:xfrm>
-            <a:off x="265500" y="1081400"/>
-            <a:ext cx="4045200" cy="1710300"/>
+            <a:off x="265500" y="1205825"/>
+            <a:ext cx="4045200" cy="1509600"/>
           </a:xfrm>
           <a:prstGeom prst="rect">
             <a:avLst/>
@@ -4258,7 +4726,7 @@
       </p:sp>
       <p:sp>
         <p:nvSpPr>
-          <p:cNvPr id="43" name="Google Shape;43;p9"/>
+          <p:cNvPr id="42" name="Google Shape;42;p9"/>
           <p:cNvSpPr txBox="1"/>
           <p:nvPr>
             <p:ph idx="1" type="subTitle"/>
@@ -4266,7 +4734,7 @@
         </p:nvSpPr>
         <p:spPr>
           <a:xfrm>
-            <a:off x="265500" y="2845201"/>
+            <a:off x="265500" y="2769001"/>
             <a:ext cx="4045200" cy="1345500"/>
           </a:xfrm>
           <a:prstGeom prst="rect">
@@ -4288,16 +4756,9 @@
               <a:spcAft>
                 <a:spcPts val="0"/>
               </a:spcAft>
-              <a:buClr>
-                <a:schemeClr val="dk1"/>
-              </a:buClr>
               <a:buSzPts val="2100"/>
               <a:buNone/>
-              <a:defRPr sz="2100">
-                <a:solidFill>
-                  <a:schemeClr val="dk1"/>
-                </a:solidFill>
-              </a:defRPr>
+              <a:defRPr sz="2100"/>
             </a:lvl1pPr>
             <a:lvl2pPr lvl="1" algn="ctr">
               <a:lnSpc>
@@ -4309,16 +4770,9 @@
               <a:spcAft>
                 <a:spcPts val="0"/>
               </a:spcAft>
-              <a:buClr>
-                <a:schemeClr val="dk1"/>
-              </a:buClr>
               <a:buSzPts val="2100"/>
               <a:buNone/>
-              <a:defRPr sz="2100">
-                <a:solidFill>
-                  <a:schemeClr val="dk1"/>
-                </a:solidFill>
-              </a:defRPr>
+              <a:defRPr sz="2100"/>
             </a:lvl2pPr>
             <a:lvl3pPr lvl="2" algn="ctr">
               <a:lnSpc>
@@ -4330,16 +4784,9 @@
               <a:spcAft>
                 <a:spcPts val="0"/>
               </a:spcAft>
-              <a:buClr>
-                <a:schemeClr val="dk1"/>
-              </a:buClr>
               <a:buSzPts val="2100"/>
               <a:buNone/>
-              <a:defRPr sz="2100">
-                <a:solidFill>
-                  <a:schemeClr val="dk1"/>
-                </a:solidFill>
-              </a:defRPr>
+              <a:defRPr sz="2100"/>
             </a:lvl3pPr>
             <a:lvl4pPr lvl="3" algn="ctr">
               <a:lnSpc>
@@ -4351,16 +4798,9 @@
               <a:spcAft>
                 <a:spcPts val="0"/>
               </a:spcAft>
-              <a:buClr>
-                <a:schemeClr val="dk1"/>
-              </a:buClr>
               <a:buSzPts val="2100"/>
               <a:buNone/>
-              <a:defRPr sz="2100">
-                <a:solidFill>
-                  <a:schemeClr val="dk1"/>
-                </a:solidFill>
-              </a:defRPr>
+              <a:defRPr sz="2100"/>
             </a:lvl4pPr>
             <a:lvl5pPr lvl="4" algn="ctr">
               <a:lnSpc>
@@ -4372,16 +4812,9 @@
               <a:spcAft>
                 <a:spcPts val="0"/>
               </a:spcAft>
-              <a:buClr>
-                <a:schemeClr val="dk1"/>
-              </a:buClr>
               <a:buSzPts val="2100"/>
               <a:buNone/>
-              <a:defRPr sz="2100">
-                <a:solidFill>
-                  <a:schemeClr val="dk1"/>
-                </a:solidFill>
-              </a:defRPr>
+              <a:defRPr sz="2100"/>
             </a:lvl5pPr>
             <a:lvl6pPr lvl="5" algn="ctr">
               <a:lnSpc>
@@ -4393,16 +4826,9 @@
               <a:spcAft>
                 <a:spcPts val="0"/>
               </a:spcAft>
-              <a:buClr>
-                <a:schemeClr val="dk1"/>
-              </a:buClr>
               <a:buSzPts val="2100"/>
               <a:buNone/>
-              <a:defRPr sz="2100">
-                <a:solidFill>
-                  <a:schemeClr val="dk1"/>
-                </a:solidFill>
-              </a:defRPr>
+              <a:defRPr sz="2100"/>
             </a:lvl6pPr>
             <a:lvl7pPr lvl="6" algn="ctr">
               <a:lnSpc>
@@ -4414,16 +4840,9 @@
               <a:spcAft>
                 <a:spcPts val="0"/>
               </a:spcAft>
-              <a:buClr>
-                <a:schemeClr val="dk1"/>
-              </a:buClr>
               <a:buSzPts val="2100"/>
               <a:buNone/>
-              <a:defRPr sz="2100">
-                <a:solidFill>
-                  <a:schemeClr val="dk1"/>
-                </a:solidFill>
-              </a:defRPr>
+              <a:defRPr sz="2100"/>
             </a:lvl7pPr>
             <a:lvl8pPr lvl="7" algn="ctr">
               <a:lnSpc>
@@ -4435,16 +4854,9 @@
               <a:spcAft>
                 <a:spcPts val="0"/>
               </a:spcAft>
-              <a:buClr>
-                <a:schemeClr val="dk1"/>
-              </a:buClr>
               <a:buSzPts val="2100"/>
               <a:buNone/>
-              <a:defRPr sz="2100">
-                <a:solidFill>
-                  <a:schemeClr val="dk1"/>
-                </a:solidFill>
-              </a:defRPr>
+              <a:defRPr sz="2100"/>
             </a:lvl8pPr>
             <a:lvl9pPr lvl="8" algn="ctr">
               <a:lnSpc>
@@ -4456,16 +4868,9 @@
               <a:spcAft>
                 <a:spcPts val="0"/>
               </a:spcAft>
-              <a:buClr>
-                <a:schemeClr val="dk1"/>
-              </a:buClr>
               <a:buSzPts val="2100"/>
               <a:buNone/>
-              <a:defRPr sz="2100">
-                <a:solidFill>
-                  <a:schemeClr val="dk1"/>
-                </a:solidFill>
-              </a:defRPr>
+              <a:defRPr sz="2100"/>
             </a:lvl9pPr>
           </a:lstStyle>
           <a:p/>
@@ -4473,7 +4878,7 @@
       </p:sp>
       <p:sp>
         <p:nvSpPr>
-          <p:cNvPr id="44" name="Google Shape;44;p9"/>
+          <p:cNvPr id="43" name="Google Shape;43;p9"/>
           <p:cNvSpPr txBox="1"/>
           <p:nvPr>
             <p:ph idx="2" type="body"/>
@@ -4661,7 +5066,7 @@
       </p:sp>
       <p:sp>
         <p:nvSpPr>
-          <p:cNvPr id="45" name="Google Shape;45;p9"/>
+          <p:cNvPr id="44" name="Google Shape;44;p9"/>
           <p:cNvSpPr txBox="1"/>
           <p:nvPr>
             <p:ph idx="12" type="sldNum"/>
@@ -4669,7 +5074,7 @@
         </p:nvSpPr>
         <p:spPr>
           <a:xfrm>
-            <a:off x="8490250" y="4681009"/>
+            <a:off x="8472458" y="4663217"/>
             <a:ext cx="548700" cy="393600"/>
           </a:xfrm>
           <a:prstGeom prst="rect">
@@ -4785,7 +5190,7 @@
   <p:cSld name="CAPTION_ONLY">
     <p:spTree>
       <p:nvGrpSpPr>
-        <p:cNvPr id="46" name="Shape 46"/>
+        <p:cNvPr id="45" name="Shape 45"/>
         <p:cNvGrpSpPr/>
         <p:nvPr/>
       </p:nvGrpSpPr>
@@ -4799,7 +5204,7 @@
       </p:grpSpPr>
       <p:sp>
         <p:nvSpPr>
-          <p:cNvPr id="47" name="Google Shape;47;p10"/>
+          <p:cNvPr id="46" name="Google Shape;46;p10"/>
           <p:cNvSpPr txBox="1"/>
           <p:nvPr>
             <p:ph idx="1" type="body"/>
@@ -4807,8 +5212,8 @@
         </p:nvSpPr>
         <p:spPr>
           <a:xfrm>
-            <a:off x="311700" y="4230575"/>
-            <a:ext cx="5998800" cy="605100"/>
+            <a:off x="311700" y="4236825"/>
+            <a:ext cx="5998800" cy="598800"/>
           </a:xfrm>
           <a:prstGeom prst="rect">
             <a:avLst/>
@@ -4829,21 +5234,9 @@
               <a:spcAft>
                 <a:spcPts val="0"/>
               </a:spcAft>
-              <a:buClr>
-                <a:schemeClr val="dk1"/>
-              </a:buClr>
               <a:buSzPts val="2100"/>
-              <a:buFont typeface="Oswald"/>
-              <a:buNone/>
-              <a:defRPr sz="2100">
-                <a:solidFill>
-                  <a:schemeClr val="dk1"/>
-                </a:solidFill>
-                <a:latin typeface="Oswald"/>
-                <a:ea typeface="Oswald"/>
-                <a:cs typeface="Oswald"/>
-                <a:sym typeface="Oswald"/>
-              </a:defRPr>
+              <a:buNone/>
+              <a:defRPr sz="2100"/>
             </a:lvl1pPr>
           </a:lstStyle>
           <a:p/>
@@ -4851,7 +5244,7 @@
       </p:sp>
       <p:sp>
         <p:nvSpPr>
-          <p:cNvPr id="48" name="Google Shape;48;p10"/>
+          <p:cNvPr id="47" name="Google Shape;47;p10"/>
           <p:cNvSpPr txBox="1"/>
           <p:nvPr>
             <p:ph idx="12" type="sldNum"/>
@@ -4859,7 +5252,7 @@
         </p:nvSpPr>
         <p:spPr>
           <a:xfrm>
-            <a:off x="8490250" y="4681009"/>
+            <a:off x="8472458" y="4663217"/>
             <a:ext cx="548700" cy="393600"/>
           </a:xfrm>
           <a:prstGeom prst="rect">
@@ -4936,7 +5329,7 @@
 
 <file path=ppt/slideMasters/slideMaster1.xml><?xml version="1.0" encoding="utf-8"?>
 <p:sldMaster xmlns:a="http://schemas.openxmlformats.org/drawingml/2006/main" xmlns:r="http://schemas.openxmlformats.org/officeDocument/2006/relationships" xmlns:mc="http://schemas.openxmlformats.org/markup-compatibility/2006" xmlns:mv="urn:schemas-microsoft-com:mac:vml" xmlns:p="http://schemas.openxmlformats.org/presentationml/2006/main" xmlns:c="http://schemas.openxmlformats.org/drawingml/2006/chart" xmlns:dgm="http://schemas.openxmlformats.org/drawingml/2006/diagram" xmlns:o="urn:schemas-microsoft-com:office:office" xmlns:v="urn:schemas-microsoft-com:vml" xmlns:pvml="urn:schemas-microsoft-com:office:powerpoint" xmlns:com="http://schemas.openxmlformats.org/drawingml/2006/compatibility" xmlns:p14="http://schemas.microsoft.com/office/powerpoint/2010/main" xmlns:p15="http://schemas.microsoft.com/office/powerpoint/2012/main" xmlns:ahyp="http://schemas.microsoft.com/office/drawing/2018/hyperlinkcolor">
-  <p:cSld name="slate">
+  <p:cSld name="spearmint">
     <p:bg>
       <p:bgPr>
         <a:solidFill>
@@ -4994,17 +5387,17 @@
               <a:buClr>
                 <a:schemeClr val="dk1"/>
               </a:buClr>
-              <a:buSzPts val="3000"/>
-              <a:buFont typeface="Oswald"/>
-              <a:buNone/>
-              <a:defRPr sz="3000">
+              <a:buSzPts val="2800"/>
+              <a:buFont typeface="Proxima Nova"/>
+              <a:buNone/>
+              <a:defRPr sz="2800">
                 <a:solidFill>
                   <a:schemeClr val="dk1"/>
                 </a:solidFill>
-                <a:latin typeface="Oswald"/>
-                <a:ea typeface="Oswald"/>
-                <a:cs typeface="Oswald"/>
-                <a:sym typeface="Oswald"/>
+                <a:latin typeface="Proxima Nova"/>
+                <a:ea typeface="Proxima Nova"/>
+                <a:cs typeface="Proxima Nova"/>
+                <a:sym typeface="Proxima Nova"/>
               </a:defRPr>
             </a:lvl1pPr>
             <a:lvl2pPr lvl="1">
@@ -5017,17 +5410,17 @@
               <a:buClr>
                 <a:schemeClr val="dk1"/>
               </a:buClr>
-              <a:buSzPts val="3000"/>
-              <a:buFont typeface="Oswald"/>
-              <a:buNone/>
-              <a:defRPr sz="3000">
+              <a:buSzPts val="2800"/>
+              <a:buFont typeface="Proxima Nova"/>
+              <a:buNone/>
+              <a:defRPr sz="2800">
                 <a:solidFill>
                   <a:schemeClr val="dk1"/>
                 </a:solidFill>
-                <a:latin typeface="Oswald"/>
-                <a:ea typeface="Oswald"/>
-                <a:cs typeface="Oswald"/>
-                <a:sym typeface="Oswald"/>
+                <a:latin typeface="Proxima Nova"/>
+                <a:ea typeface="Proxima Nova"/>
+                <a:cs typeface="Proxima Nova"/>
+                <a:sym typeface="Proxima Nova"/>
               </a:defRPr>
             </a:lvl2pPr>
             <a:lvl3pPr lvl="2">
@@ -5040,17 +5433,17 @@
               <a:buClr>
                 <a:schemeClr val="dk1"/>
               </a:buClr>
-              <a:buSzPts val="3000"/>
-              <a:buFont typeface="Oswald"/>
-              <a:buNone/>
-              <a:defRPr sz="3000">
+              <a:buSzPts val="2800"/>
+              <a:buFont typeface="Proxima Nova"/>
+              <a:buNone/>
+              <a:defRPr sz="2800">
                 <a:solidFill>
                   <a:schemeClr val="dk1"/>
                 </a:solidFill>
-                <a:latin typeface="Oswald"/>
-                <a:ea typeface="Oswald"/>
-                <a:cs typeface="Oswald"/>
-                <a:sym typeface="Oswald"/>
+                <a:latin typeface="Proxima Nova"/>
+                <a:ea typeface="Proxima Nova"/>
+                <a:cs typeface="Proxima Nova"/>
+                <a:sym typeface="Proxima Nova"/>
               </a:defRPr>
             </a:lvl3pPr>
             <a:lvl4pPr lvl="3">
@@ -5063,17 +5456,17 @@
               <a:buClr>
                 <a:schemeClr val="dk1"/>
               </a:buClr>
-              <a:buSzPts val="3000"/>
-              <a:buFont typeface="Oswald"/>
-              <a:buNone/>
-              <a:defRPr sz="3000">
+              <a:buSzPts val="2800"/>
+              <a:buFont typeface="Proxima Nova"/>
+              <a:buNone/>
+              <a:defRPr sz="2800">
                 <a:solidFill>
                   <a:schemeClr val="dk1"/>
                 </a:solidFill>
-                <a:latin typeface="Oswald"/>
-                <a:ea typeface="Oswald"/>
-                <a:cs typeface="Oswald"/>
-                <a:sym typeface="Oswald"/>
+                <a:latin typeface="Proxima Nova"/>
+                <a:ea typeface="Proxima Nova"/>
+                <a:cs typeface="Proxima Nova"/>
+                <a:sym typeface="Proxima Nova"/>
               </a:defRPr>
             </a:lvl4pPr>
             <a:lvl5pPr lvl="4">
@@ -5086,17 +5479,17 @@
               <a:buClr>
                 <a:schemeClr val="dk1"/>
               </a:buClr>
-              <a:buSzPts val="3000"/>
-              <a:buFont typeface="Oswald"/>
-              <a:buNone/>
-              <a:defRPr sz="3000">
+              <a:buSzPts val="2800"/>
+              <a:buFont typeface="Proxima Nova"/>
+              <a:buNone/>
+              <a:defRPr sz="2800">
                 <a:solidFill>
                   <a:schemeClr val="dk1"/>
                 </a:solidFill>
-                <a:latin typeface="Oswald"/>
-                <a:ea typeface="Oswald"/>
-                <a:cs typeface="Oswald"/>
-                <a:sym typeface="Oswald"/>
+                <a:latin typeface="Proxima Nova"/>
+                <a:ea typeface="Proxima Nova"/>
+                <a:cs typeface="Proxima Nova"/>
+                <a:sym typeface="Proxima Nova"/>
               </a:defRPr>
             </a:lvl5pPr>
             <a:lvl6pPr lvl="5">
@@ -5109,17 +5502,17 @@
               <a:buClr>
                 <a:schemeClr val="dk1"/>
               </a:buClr>
-              <a:buSzPts val="3000"/>
-              <a:buFont typeface="Oswald"/>
-              <a:buNone/>
-              <a:defRPr sz="3000">
+              <a:buSzPts val="2800"/>
+              <a:buFont typeface="Proxima Nova"/>
+              <a:buNone/>
+              <a:defRPr sz="2800">
                 <a:solidFill>
                   <a:schemeClr val="dk1"/>
                 </a:solidFill>
-                <a:latin typeface="Oswald"/>
-                <a:ea typeface="Oswald"/>
-                <a:cs typeface="Oswald"/>
-                <a:sym typeface="Oswald"/>
+                <a:latin typeface="Proxima Nova"/>
+                <a:ea typeface="Proxima Nova"/>
+                <a:cs typeface="Proxima Nova"/>
+                <a:sym typeface="Proxima Nova"/>
               </a:defRPr>
             </a:lvl6pPr>
             <a:lvl7pPr lvl="6">
@@ -5132,17 +5525,17 @@
               <a:buClr>
                 <a:schemeClr val="dk1"/>
               </a:buClr>
-              <a:buSzPts val="3000"/>
-              <a:buFont typeface="Oswald"/>
-              <a:buNone/>
-              <a:defRPr sz="3000">
+              <a:buSzPts val="2800"/>
+              <a:buFont typeface="Proxima Nova"/>
+              <a:buNone/>
+              <a:defRPr sz="2800">
                 <a:solidFill>
                   <a:schemeClr val="dk1"/>
                 </a:solidFill>
-                <a:latin typeface="Oswald"/>
-                <a:ea typeface="Oswald"/>
-                <a:cs typeface="Oswald"/>
-                <a:sym typeface="Oswald"/>
+                <a:latin typeface="Proxima Nova"/>
+                <a:ea typeface="Proxima Nova"/>
+                <a:cs typeface="Proxima Nova"/>
+                <a:sym typeface="Proxima Nova"/>
               </a:defRPr>
             </a:lvl7pPr>
             <a:lvl8pPr lvl="7">
@@ -5155,17 +5548,17 @@
               <a:buClr>
                 <a:schemeClr val="dk1"/>
               </a:buClr>
-              <a:buSzPts val="3000"/>
-              <a:buFont typeface="Oswald"/>
-              <a:buNone/>
-              <a:defRPr sz="3000">
+              <a:buSzPts val="2800"/>
+              <a:buFont typeface="Proxima Nova"/>
+              <a:buNone/>
+              <a:defRPr sz="2800">
                 <a:solidFill>
                   <a:schemeClr val="dk1"/>
                 </a:solidFill>
-                <a:latin typeface="Oswald"/>
-                <a:ea typeface="Oswald"/>
-                <a:cs typeface="Oswald"/>
-                <a:sym typeface="Oswald"/>
+                <a:latin typeface="Proxima Nova"/>
+                <a:ea typeface="Proxima Nova"/>
+                <a:cs typeface="Proxima Nova"/>
+                <a:sym typeface="Proxima Nova"/>
               </a:defRPr>
             </a:lvl8pPr>
             <a:lvl9pPr lvl="8">
@@ -5178,17 +5571,17 @@
               <a:buClr>
                 <a:schemeClr val="dk1"/>
               </a:buClr>
-              <a:buSzPts val="3000"/>
-              <a:buFont typeface="Oswald"/>
-              <a:buNone/>
-              <a:defRPr sz="3000">
+              <a:buSzPts val="2800"/>
+              <a:buFont typeface="Proxima Nova"/>
+              <a:buNone/>
+              <a:defRPr sz="2800">
                 <a:solidFill>
                   <a:schemeClr val="dk1"/>
                 </a:solidFill>
-                <a:latin typeface="Oswald"/>
-                <a:ea typeface="Oswald"/>
-                <a:cs typeface="Oswald"/>
-                <a:sym typeface="Oswald"/>
+                <a:latin typeface="Proxima Nova"/>
+                <a:ea typeface="Proxima Nova"/>
+                <a:cs typeface="Proxima Nova"/>
+                <a:sym typeface="Proxima Nova"/>
               </a:defRPr>
             </a:lvl9pPr>
           </a:lstStyle>
@@ -5235,16 +5628,16 @@
                 <a:schemeClr val="accent3"/>
               </a:buClr>
               <a:buSzPts val="1800"/>
-              <a:buFont typeface="Average"/>
+              <a:buFont typeface="Proxima Nova"/>
               <a:buChar char="●"/>
               <a:defRPr sz="1800">
                 <a:solidFill>
                   <a:schemeClr val="accent3"/>
                 </a:solidFill>
-                <a:latin typeface="Average"/>
-                <a:ea typeface="Average"/>
-                <a:cs typeface="Average"/>
-                <a:sym typeface="Average"/>
+                <a:latin typeface="Proxima Nova"/>
+                <a:ea typeface="Proxima Nova"/>
+                <a:cs typeface="Proxima Nova"/>
+                <a:sym typeface="Proxima Nova"/>
               </a:defRPr>
             </a:lvl1pPr>
             <a:lvl2pPr indent="-317500" lvl="1" marL="914400">
@@ -5261,16 +5654,16 @@
                 <a:schemeClr val="accent3"/>
               </a:buClr>
               <a:buSzPts val="1400"/>
-              <a:buFont typeface="Average"/>
+              <a:buFont typeface="Proxima Nova"/>
               <a:buChar char="○"/>
               <a:defRPr>
                 <a:solidFill>
                   <a:schemeClr val="accent3"/>
                 </a:solidFill>
-                <a:latin typeface="Average"/>
-                <a:ea typeface="Average"/>
-                <a:cs typeface="Average"/>
-                <a:sym typeface="Average"/>
+                <a:latin typeface="Proxima Nova"/>
+                <a:ea typeface="Proxima Nova"/>
+                <a:cs typeface="Proxima Nova"/>
+                <a:sym typeface="Proxima Nova"/>
               </a:defRPr>
             </a:lvl2pPr>
             <a:lvl3pPr indent="-317500" lvl="2" marL="1371600">
@@ -5287,16 +5680,16 @@
                 <a:schemeClr val="accent3"/>
               </a:buClr>
               <a:buSzPts val="1400"/>
-              <a:buFont typeface="Average"/>
+              <a:buFont typeface="Proxima Nova"/>
               <a:buChar char="■"/>
               <a:defRPr>
                 <a:solidFill>
                   <a:schemeClr val="accent3"/>
                 </a:solidFill>
-                <a:latin typeface="Average"/>
-                <a:ea typeface="Average"/>
-                <a:cs typeface="Average"/>
-                <a:sym typeface="Average"/>
+                <a:latin typeface="Proxima Nova"/>
+                <a:ea typeface="Proxima Nova"/>
+                <a:cs typeface="Proxima Nova"/>
+                <a:sym typeface="Proxima Nova"/>
               </a:defRPr>
             </a:lvl3pPr>
             <a:lvl4pPr indent="-317500" lvl="3" marL="1828800">
@@ -5313,16 +5706,16 @@
                 <a:schemeClr val="accent3"/>
               </a:buClr>
               <a:buSzPts val="1400"/>
-              <a:buFont typeface="Average"/>
+              <a:buFont typeface="Proxima Nova"/>
               <a:buChar char="●"/>
               <a:defRPr>
                 <a:solidFill>
                   <a:schemeClr val="accent3"/>
                 </a:solidFill>
-                <a:latin typeface="Average"/>
-                <a:ea typeface="Average"/>
-                <a:cs typeface="Average"/>
-                <a:sym typeface="Average"/>
+                <a:latin typeface="Proxima Nova"/>
+                <a:ea typeface="Proxima Nova"/>
+                <a:cs typeface="Proxima Nova"/>
+                <a:sym typeface="Proxima Nova"/>
               </a:defRPr>
             </a:lvl4pPr>
             <a:lvl5pPr indent="-317500" lvl="4" marL="2286000">
@@ -5339,16 +5732,16 @@
                 <a:schemeClr val="accent3"/>
               </a:buClr>
               <a:buSzPts val="1400"/>
-              <a:buFont typeface="Average"/>
+              <a:buFont typeface="Proxima Nova"/>
               <a:buChar char="○"/>
               <a:defRPr>
                 <a:solidFill>
                   <a:schemeClr val="accent3"/>
                 </a:solidFill>
-                <a:latin typeface="Average"/>
-                <a:ea typeface="Average"/>
-                <a:cs typeface="Average"/>
-                <a:sym typeface="Average"/>
+                <a:latin typeface="Proxima Nova"/>
+                <a:ea typeface="Proxima Nova"/>
+                <a:cs typeface="Proxima Nova"/>
+                <a:sym typeface="Proxima Nova"/>
               </a:defRPr>
             </a:lvl5pPr>
             <a:lvl6pPr indent="-317500" lvl="5" marL="2743200">
@@ -5365,16 +5758,16 @@
                 <a:schemeClr val="accent3"/>
               </a:buClr>
               <a:buSzPts val="1400"/>
-              <a:buFont typeface="Average"/>
+              <a:buFont typeface="Proxima Nova"/>
               <a:buChar char="■"/>
               <a:defRPr>
                 <a:solidFill>
                   <a:schemeClr val="accent3"/>
                 </a:solidFill>
-                <a:latin typeface="Average"/>
-                <a:ea typeface="Average"/>
-                <a:cs typeface="Average"/>
-                <a:sym typeface="Average"/>
+                <a:latin typeface="Proxima Nova"/>
+                <a:ea typeface="Proxima Nova"/>
+                <a:cs typeface="Proxima Nova"/>
+                <a:sym typeface="Proxima Nova"/>
               </a:defRPr>
             </a:lvl6pPr>
             <a:lvl7pPr indent="-317500" lvl="6" marL="3200400">
@@ -5391,16 +5784,16 @@
                 <a:schemeClr val="accent3"/>
               </a:buClr>
               <a:buSzPts val="1400"/>
-              <a:buFont typeface="Average"/>
+              <a:buFont typeface="Proxima Nova"/>
               <a:buChar char="●"/>
               <a:defRPr>
                 <a:solidFill>
                   <a:schemeClr val="accent3"/>
                 </a:solidFill>
-                <a:latin typeface="Average"/>
-                <a:ea typeface="Average"/>
-                <a:cs typeface="Average"/>
-                <a:sym typeface="Average"/>
+                <a:latin typeface="Proxima Nova"/>
+                <a:ea typeface="Proxima Nova"/>
+                <a:cs typeface="Proxima Nova"/>
+                <a:sym typeface="Proxima Nova"/>
               </a:defRPr>
             </a:lvl7pPr>
             <a:lvl8pPr indent="-317500" lvl="7" marL="3657600">
@@ -5417,16 +5810,16 @@
                 <a:schemeClr val="accent3"/>
               </a:buClr>
               <a:buSzPts val="1400"/>
-              <a:buFont typeface="Average"/>
+              <a:buFont typeface="Proxima Nova"/>
               <a:buChar char="○"/>
               <a:defRPr>
                 <a:solidFill>
                   <a:schemeClr val="accent3"/>
                 </a:solidFill>
-                <a:latin typeface="Average"/>
-                <a:ea typeface="Average"/>
-                <a:cs typeface="Average"/>
-                <a:sym typeface="Average"/>
+                <a:latin typeface="Proxima Nova"/>
+                <a:ea typeface="Proxima Nova"/>
+                <a:cs typeface="Proxima Nova"/>
+                <a:sym typeface="Proxima Nova"/>
               </a:defRPr>
             </a:lvl8pPr>
             <a:lvl9pPr indent="-317500" lvl="8" marL="4114800">
@@ -5443,16 +5836,16 @@
                 <a:schemeClr val="accent3"/>
               </a:buClr>
               <a:buSzPts val="1400"/>
-              <a:buFont typeface="Average"/>
+              <a:buFont typeface="Proxima Nova"/>
               <a:buChar char="■"/>
               <a:defRPr>
                 <a:solidFill>
                   <a:schemeClr val="accent3"/>
                 </a:solidFill>
-                <a:latin typeface="Average"/>
-                <a:ea typeface="Average"/>
-                <a:cs typeface="Average"/>
-                <a:sym typeface="Average"/>
+                <a:latin typeface="Proxima Nova"/>
+                <a:ea typeface="Proxima Nova"/>
+                <a:cs typeface="Proxima Nova"/>
+                <a:sym typeface="Proxima Nova"/>
               </a:defRPr>
             </a:lvl9pPr>
           </a:lstStyle>
@@ -5469,7 +5862,7 @@
         </p:nvSpPr>
         <p:spPr>
           <a:xfrm>
-            <a:off x="8490250" y="4681009"/>
+            <a:off x="8472458" y="4663217"/>
             <a:ext cx="548700" cy="393600"/>
           </a:xfrm>
           <a:prstGeom prst="rect">
@@ -5489,108 +5882,108 @@
               <a:buNone/>
               <a:defRPr sz="1000">
                 <a:solidFill>
-                  <a:schemeClr val="accent3"/>
-                </a:solidFill>
-                <a:latin typeface="Average"/>
-                <a:ea typeface="Average"/>
-                <a:cs typeface="Average"/>
-                <a:sym typeface="Average"/>
+                  <a:schemeClr val="dk1"/>
+                </a:solidFill>
+                <a:latin typeface="Proxima Nova"/>
+                <a:ea typeface="Proxima Nova"/>
+                <a:cs typeface="Proxima Nova"/>
+                <a:sym typeface="Proxima Nova"/>
               </a:defRPr>
             </a:lvl1pPr>
             <a:lvl2pPr lvl="1" algn="r">
               <a:buNone/>
               <a:defRPr sz="1000">
                 <a:solidFill>
-                  <a:schemeClr val="accent3"/>
-                </a:solidFill>
-                <a:latin typeface="Average"/>
-                <a:ea typeface="Average"/>
-                <a:cs typeface="Average"/>
-                <a:sym typeface="Average"/>
+                  <a:schemeClr val="dk1"/>
+                </a:solidFill>
+                <a:latin typeface="Proxima Nova"/>
+                <a:ea typeface="Proxima Nova"/>
+                <a:cs typeface="Proxima Nova"/>
+                <a:sym typeface="Proxima Nova"/>
               </a:defRPr>
             </a:lvl2pPr>
             <a:lvl3pPr lvl="2" algn="r">
               <a:buNone/>
               <a:defRPr sz="1000">
                 <a:solidFill>
-                  <a:schemeClr val="accent3"/>
-                </a:solidFill>
-                <a:latin typeface="Average"/>
-                <a:ea typeface="Average"/>
-                <a:cs typeface="Average"/>
-                <a:sym typeface="Average"/>
+                  <a:schemeClr val="dk1"/>
+                </a:solidFill>
+                <a:latin typeface="Proxima Nova"/>
+                <a:ea typeface="Proxima Nova"/>
+                <a:cs typeface="Proxima Nova"/>
+                <a:sym typeface="Proxima Nova"/>
               </a:defRPr>
             </a:lvl3pPr>
             <a:lvl4pPr lvl="3" algn="r">
               <a:buNone/>
               <a:defRPr sz="1000">
                 <a:solidFill>
-                  <a:schemeClr val="accent3"/>
-                </a:solidFill>
-                <a:latin typeface="Average"/>
-                <a:ea typeface="Average"/>
-                <a:cs typeface="Average"/>
-                <a:sym typeface="Average"/>
+                  <a:schemeClr val="dk1"/>
+                </a:solidFill>
+                <a:latin typeface="Proxima Nova"/>
+                <a:ea typeface="Proxima Nova"/>
+                <a:cs typeface="Proxima Nova"/>
+                <a:sym typeface="Proxima Nova"/>
               </a:defRPr>
             </a:lvl4pPr>
             <a:lvl5pPr lvl="4" algn="r">
               <a:buNone/>
               <a:defRPr sz="1000">
                 <a:solidFill>
-                  <a:schemeClr val="accent3"/>
-                </a:solidFill>
-                <a:latin typeface="Average"/>
-                <a:ea typeface="Average"/>
-                <a:cs typeface="Average"/>
-                <a:sym typeface="Average"/>
+                  <a:schemeClr val="dk1"/>
+                </a:solidFill>
+                <a:latin typeface="Proxima Nova"/>
+                <a:ea typeface="Proxima Nova"/>
+                <a:cs typeface="Proxima Nova"/>
+                <a:sym typeface="Proxima Nova"/>
               </a:defRPr>
             </a:lvl5pPr>
             <a:lvl6pPr lvl="5" algn="r">
               <a:buNone/>
               <a:defRPr sz="1000">
                 <a:solidFill>
-                  <a:schemeClr val="accent3"/>
-                </a:solidFill>
-                <a:latin typeface="Average"/>
-                <a:ea typeface="Average"/>
-                <a:cs typeface="Average"/>
-                <a:sym typeface="Average"/>
+                  <a:schemeClr val="dk1"/>
+                </a:solidFill>
+                <a:latin typeface="Proxima Nova"/>
+                <a:ea typeface="Proxima Nova"/>
+                <a:cs typeface="Proxima Nova"/>
+                <a:sym typeface="Proxima Nova"/>
               </a:defRPr>
             </a:lvl6pPr>
             <a:lvl7pPr lvl="6" algn="r">
               <a:buNone/>
               <a:defRPr sz="1000">
                 <a:solidFill>
-                  <a:schemeClr val="accent3"/>
-                </a:solidFill>
-                <a:latin typeface="Average"/>
-                <a:ea typeface="Average"/>
-                <a:cs typeface="Average"/>
-                <a:sym typeface="Average"/>
+                  <a:schemeClr val="dk1"/>
+                </a:solidFill>
+                <a:latin typeface="Proxima Nova"/>
+                <a:ea typeface="Proxima Nova"/>
+                <a:cs typeface="Proxima Nova"/>
+                <a:sym typeface="Proxima Nova"/>
               </a:defRPr>
             </a:lvl7pPr>
             <a:lvl8pPr lvl="7" algn="r">
               <a:buNone/>
               <a:defRPr sz="1000">
                 <a:solidFill>
-                  <a:schemeClr val="accent3"/>
-                </a:solidFill>
-                <a:latin typeface="Average"/>
-                <a:ea typeface="Average"/>
-                <a:cs typeface="Average"/>
-                <a:sym typeface="Average"/>
+                  <a:schemeClr val="dk1"/>
+                </a:solidFill>
+                <a:latin typeface="Proxima Nova"/>
+                <a:ea typeface="Proxima Nova"/>
+                <a:cs typeface="Proxima Nova"/>
+                <a:sym typeface="Proxima Nova"/>
               </a:defRPr>
             </a:lvl8pPr>
             <a:lvl9pPr lvl="8" algn="r">
               <a:buNone/>
               <a:defRPr sz="1000">
                 <a:solidFill>
-                  <a:schemeClr val="accent3"/>
-                </a:solidFill>
-                <a:latin typeface="Average"/>
-                <a:ea typeface="Average"/>
-                <a:cs typeface="Average"/>
-                <a:sym typeface="Average"/>
+                  <a:schemeClr val="dk1"/>
+                </a:solidFill>
+                <a:latin typeface="Proxima Nova"/>
+                <a:ea typeface="Proxima Nova"/>
+                <a:cs typeface="Proxima Nova"/>
+                <a:sym typeface="Proxima Nova"/>
               </a:defRPr>
             </a:lvl9pPr>
           </a:lstStyle>
@@ -6361,7 +6754,7 @@
           </a:bodyPr>
           <a:lstStyle/>
           <a:p>
-            <a:pPr indent="0" lvl="0" marL="0" rtl="0" algn="ctr">
+            <a:pPr indent="0" lvl="0" marL="0" rtl="0" algn="l">
               <a:spcBef>
                 <a:spcPts val="0"/>
               </a:spcBef>
@@ -6401,7 +6794,7 @@
           </a:bodyPr>
           <a:lstStyle/>
           <a:p>
-            <a:pPr indent="0" lvl="0" marL="0" rtl="0" algn="ctr">
+            <a:pPr indent="0" lvl="0" marL="0" rtl="0" algn="l">
               <a:spcBef>
                 <a:spcPts val="0"/>
               </a:spcBef>
@@ -6417,7 +6810,7 @@
             <a:endParaRPr/>
           </a:p>
           <a:p>
-            <a:pPr indent="0" lvl="0" marL="0" rtl="0" algn="ctr">
+            <a:pPr indent="0" lvl="0" marL="0" rtl="0" algn="l">
               <a:spcBef>
                 <a:spcPts val="0"/>
               </a:spcBef>
@@ -6433,7 +6826,7 @@
             <a:endParaRPr/>
           </a:p>
           <a:p>
-            <a:pPr indent="0" lvl="0" marL="0" rtl="0" algn="ctr">
+            <a:pPr indent="0" lvl="0" marL="0" rtl="0" algn="l">
               <a:spcBef>
                 <a:spcPts val="0"/>
               </a:spcBef>
@@ -6449,7 +6842,7 @@
             <a:endParaRPr/>
           </a:p>
           <a:p>
-            <a:pPr indent="0" lvl="0" marL="0" rtl="0" algn="ctr">
+            <a:pPr indent="0" lvl="0" marL="0" rtl="0" algn="l">
               <a:spcBef>
                 <a:spcPts val="0"/>
               </a:spcBef>
@@ -6509,6 +6902,183 @@
         </p:nvSpPr>
         <p:spPr>
           <a:xfrm>
+            <a:off x="311700" y="445025"/>
+            <a:ext cx="8520600" cy="572700"/>
+          </a:xfrm>
+          <a:prstGeom prst="rect">
+            <a:avLst/>
+          </a:prstGeom>
+        </p:spPr>
+        <p:txBody>
+          <a:bodyPr anchorCtr="0" anchor="t" bIns="91425" lIns="91425" spcFirstLastPara="1" rIns="91425" wrap="square" tIns="91425">
+            <a:normAutofit fontScale="90000"/>
+          </a:bodyPr>
+          <a:lstStyle/>
+          <a:p>
+            <a:pPr indent="0" lvl="0" marL="0" rtl="0" algn="l">
+              <a:spcBef>
+                <a:spcPts val="0"/>
+              </a:spcBef>
+              <a:spcAft>
+                <a:spcPts val="0"/>
+              </a:spcAft>
+              <a:buNone/>
+            </a:pPr>
+            <a:r>
+              <a:rPr lang="es"/>
+              <a:t>Situacion Problema</a:t>
+            </a:r>
+            <a:endParaRPr/>
+          </a:p>
+        </p:txBody>
+      </p:sp>
+      <p:sp>
+        <p:nvSpPr>
+          <p:cNvPr id="66" name="Google Shape;66;p14"/>
+          <p:cNvSpPr txBox="1"/>
+          <p:nvPr>
+            <p:ph idx="1" type="body"/>
+          </p:nvPr>
+        </p:nvSpPr>
+        <p:spPr>
+          <a:xfrm>
+            <a:off x="311700" y="1329825"/>
+            <a:ext cx="5420400" cy="3416400"/>
+          </a:xfrm>
+          <a:prstGeom prst="rect">
+            <a:avLst/>
+          </a:prstGeom>
+        </p:spPr>
+        <p:txBody>
+          <a:bodyPr anchorCtr="0" anchor="t" bIns="91425" lIns="91425" spcFirstLastPara="1" rIns="91425" wrap="square" tIns="91425">
+            <a:normAutofit/>
+          </a:bodyPr>
+          <a:lstStyle/>
+          <a:p>
+            <a:pPr indent="0" lvl="0" marL="0" rtl="0" algn="just">
+              <a:spcBef>
+                <a:spcPts val="0"/>
+              </a:spcBef>
+              <a:spcAft>
+                <a:spcPts val="0"/>
+              </a:spcAft>
+              <a:buNone/>
+            </a:pPr>
+            <a:r>
+              <a:rPr lang="es"/>
+              <a:t>El problema que se presenta es la movilidad urbana, en las ciudades grandes y pobladas como Monterrey el problema de la vialidad es persistente y notable. El sobreuso de </a:t>
+            </a:r>
+            <a:r>
+              <a:rPr lang="es"/>
+              <a:t>automóviles</a:t>
+            </a:r>
+            <a:r>
+              <a:rPr lang="es"/>
+              <a:t> personales </a:t>
+            </a:r>
+            <a:r>
+              <a:rPr lang="es"/>
+              <a:t>genera efectos negativos enormes en los niveles económico, ambiental y social en México.</a:t>
+            </a:r>
+            <a:endParaRPr/>
+          </a:p>
+          <a:p>
+            <a:pPr indent="0" lvl="0" marL="0" rtl="0" algn="just">
+              <a:spcBef>
+                <a:spcPts val="1200"/>
+              </a:spcBef>
+              <a:spcAft>
+                <a:spcPts val="1200"/>
+              </a:spcAft>
+              <a:buNone/>
+            </a:pPr>
+            <a:r>
+              <a:rPr lang="es"/>
+              <a:t>A </a:t>
+            </a:r>
+            <a:r>
+              <a:rPr lang="es"/>
+              <a:t>continuación</a:t>
+            </a:r>
+            <a:r>
+              <a:rPr lang="es"/>
+              <a:t> se propone una </a:t>
+            </a:r>
+            <a:r>
+              <a:rPr lang="es"/>
+              <a:t>solución</a:t>
+            </a:r>
+            <a:r>
+              <a:rPr lang="es"/>
+              <a:t> al al problema previamente mencionado:</a:t>
+            </a:r>
+            <a:endParaRPr/>
+          </a:p>
+        </p:txBody>
+      </p:sp>
+      <p:pic>
+        <p:nvPicPr>
+          <p:cNvPr id="67" name="Google Shape;67;p14"/>
+          <p:cNvPicPr preferRelativeResize="0"/>
+          <p:nvPr/>
+        </p:nvPicPr>
+        <p:blipFill>
+          <a:blip r:embed="rId3">
+            <a:alphaModFix/>
+          </a:blip>
+          <a:stretch>
+            <a:fillRect/>
+          </a:stretch>
+        </p:blipFill>
+        <p:spPr>
+          <a:xfrm>
+            <a:off x="6087500" y="1613349"/>
+            <a:ext cx="2744800" cy="1916800"/>
+          </a:xfrm>
+          <a:prstGeom prst="rect">
+            <a:avLst/>
+          </a:prstGeom>
+          <a:noFill/>
+          <a:ln>
+            <a:noFill/>
+          </a:ln>
+        </p:spPr>
+      </p:pic>
+    </p:spTree>
+  </p:cSld>
+  <p:clrMapOvr>
+    <a:masterClrMapping/>
+  </p:clrMapOvr>
+</p:sld>
+</file>
+
+<file path=ppt/slides/slide3.xml><?xml version="1.0" encoding="utf-8"?>
+<p:sld xmlns:a="http://schemas.openxmlformats.org/drawingml/2006/main" xmlns:r="http://schemas.openxmlformats.org/officeDocument/2006/relationships" xmlns:mc="http://schemas.openxmlformats.org/markup-compatibility/2006" xmlns:mv="urn:schemas-microsoft-com:mac:vml" xmlns:p="http://schemas.openxmlformats.org/presentationml/2006/main" xmlns:c="http://schemas.openxmlformats.org/drawingml/2006/chart" xmlns:dgm="http://schemas.openxmlformats.org/drawingml/2006/diagram" xmlns:o="urn:schemas-microsoft-com:office:office" xmlns:v="urn:schemas-microsoft-com:vml" xmlns:pvml="urn:schemas-microsoft-com:office:powerpoint" xmlns:com="http://schemas.openxmlformats.org/drawingml/2006/compatibility" xmlns:p14="http://schemas.microsoft.com/office/powerpoint/2010/main" xmlns:p15="http://schemas.microsoft.com/office/powerpoint/2012/main" xmlns:ahyp="http://schemas.microsoft.com/office/drawing/2018/hyperlinkcolor">
+  <p:cSld>
+    <p:spTree>
+      <p:nvGrpSpPr>
+        <p:cNvPr id="71" name="Shape 71"/>
+        <p:cNvGrpSpPr/>
+        <p:nvPr/>
+      </p:nvGrpSpPr>
+      <p:grpSpPr>
+        <a:xfrm>
+          <a:off x="0" y="0"/>
+          <a:ext cx="0" cy="0"/>
+          <a:chOff x="0" y="0"/>
+          <a:chExt cx="0" cy="0"/>
+        </a:xfrm>
+      </p:grpSpPr>
+      <p:sp>
+        <p:nvSpPr>
+          <p:cNvPr id="72" name="Google Shape;72;p15"/>
+          <p:cNvSpPr txBox="1"/>
+          <p:nvPr>
+            <p:ph type="title"/>
+          </p:nvPr>
+        </p:nvSpPr>
+        <p:spPr>
+          <a:xfrm>
             <a:off x="0" y="0"/>
             <a:ext cx="1110000" cy="510600"/>
           </a:xfrm>
@@ -6533,16 +7103,16 @@
               <a:buNone/>
             </a:pPr>
             <a:r>
-              <a:rPr lang="es" sz="1700"/>
+              <a:rPr lang="es" sz="1500"/>
               <a:t>Simulación</a:t>
             </a:r>
-            <a:endParaRPr sz="1700"/>
+            <a:endParaRPr sz="1500"/>
           </a:p>
         </p:txBody>
       </p:sp>
       <p:pic>
         <p:nvPicPr>
-          <p:cNvPr id="66" name="Google Shape;66;p14" title="Demostracion Mesa">
+          <p:cNvPr id="73" name="Google Shape;73;p15" title="Demostracion Mesa">
             <a:hlinkClick r:id="rId3"/>
           </p:cNvPr>
           <p:cNvPicPr preferRelativeResize="0"/>
@@ -6612,7 +7182,7 @@
                                           </p:stCondLst>
                                         </p:cTn>
                                         <p:tgtEl>
-                                          <p:spTgt spid="66"/>
+                                          <p:spTgt spid="73"/>
                                         </p:tgtEl>
                                         <p:attrNameLst>
                                           <p:attrName>style.visibility</p:attrName>
@@ -6626,7 +7196,7 @@
                                       <p:cBhvr>
                                         <p:cTn dur="1000"/>
                                         <p:tgtEl>
-                                          <p:spTgt spid="66"/>
+                                          <p:spTgt spid="73"/>
                                         </p:tgtEl>
                                       </p:cBhvr>
                                     </p:animEffect>
@@ -6664,12 +7234,12 @@
 </p:sld>
 </file>
 
-<file path=ppt/slides/slide3.xml><?xml version="1.0" encoding="utf-8"?>
+<file path=ppt/slides/slide4.xml><?xml version="1.0" encoding="utf-8"?>
 <p:sld xmlns:a="http://schemas.openxmlformats.org/drawingml/2006/main" xmlns:r="http://schemas.openxmlformats.org/officeDocument/2006/relationships" xmlns:mc="http://schemas.openxmlformats.org/markup-compatibility/2006" xmlns:mv="urn:schemas-microsoft-com:mac:vml" xmlns:p="http://schemas.openxmlformats.org/presentationml/2006/main" xmlns:c="http://schemas.openxmlformats.org/drawingml/2006/chart" xmlns:dgm="http://schemas.openxmlformats.org/drawingml/2006/diagram" xmlns:o="urn:schemas-microsoft-com:office:office" xmlns:v="urn:schemas-microsoft-com:vml" xmlns:pvml="urn:schemas-microsoft-com:office:powerpoint" xmlns:com="http://schemas.openxmlformats.org/drawingml/2006/compatibility" xmlns:p14="http://schemas.microsoft.com/office/powerpoint/2010/main" xmlns:p15="http://schemas.microsoft.com/office/powerpoint/2012/main" xmlns:ahyp="http://schemas.microsoft.com/office/drawing/2018/hyperlinkcolor">
   <p:cSld>
     <p:spTree>
       <p:nvGrpSpPr>
-        <p:cNvPr id="70" name="Shape 70"/>
+        <p:cNvPr id="77" name="Shape 77"/>
         <p:cNvGrpSpPr/>
         <p:nvPr/>
       </p:nvGrpSpPr>
@@ -6683,7 +7253,7 @@
       </p:grpSpPr>
       <p:sp>
         <p:nvSpPr>
-          <p:cNvPr id="71" name="Google Shape;71;p15"/>
+          <p:cNvPr id="78" name="Google Shape;78;p16"/>
           <p:cNvSpPr txBox="1"/>
           <p:nvPr>
             <p:ph type="title"/>
@@ -6715,16 +7285,16 @@
               <a:buNone/>
             </a:pPr>
             <a:r>
-              <a:rPr lang="es" sz="1700"/>
+              <a:rPr lang="es" sz="1500"/>
               <a:t>Gráficos</a:t>
             </a:r>
-            <a:endParaRPr sz="1700"/>
+            <a:endParaRPr sz="1500"/>
           </a:p>
         </p:txBody>
       </p:sp>
       <p:pic>
         <p:nvPicPr>
-          <p:cNvPr id="72" name="Google Shape;72;p15" title="Demostracion Simulacion Final 2.0">
+          <p:cNvPr id="79" name="Google Shape;79;p16" title="Demostracion Simulacion Final 2.0">
             <a:hlinkClick r:id="rId3"/>
           </p:cNvPr>
           <p:cNvPicPr preferRelativeResize="0"/>
@@ -6794,7 +7364,7 @@
                                           </p:stCondLst>
                                         </p:cTn>
                                         <p:tgtEl>
-                                          <p:spTgt spid="72"/>
+                                          <p:spTgt spid="79"/>
                                         </p:tgtEl>
                                         <p:attrNameLst>
                                           <p:attrName>style.visibility</p:attrName>
@@ -6808,7 +7378,7 @@
                                       <p:cBhvr>
                                         <p:cTn dur="1000"/>
                                         <p:tgtEl>
-                                          <p:spTgt spid="72"/>
+                                          <p:spTgt spid="79"/>
                                         </p:tgtEl>
                                       </p:cBhvr>
                                     </p:animEffect>
@@ -6846,12 +7416,12 @@
 </p:sld>
 </file>
 
-<file path=ppt/slides/slide4.xml><?xml version="1.0" encoding="utf-8"?>
+<file path=ppt/slides/slide5.xml><?xml version="1.0" encoding="utf-8"?>
 <p:sld xmlns:a="http://schemas.openxmlformats.org/drawingml/2006/main" xmlns:r="http://schemas.openxmlformats.org/officeDocument/2006/relationships" xmlns:mc="http://schemas.openxmlformats.org/markup-compatibility/2006" xmlns:mv="urn:schemas-microsoft-com:mac:vml" xmlns:p="http://schemas.openxmlformats.org/presentationml/2006/main" xmlns:c="http://schemas.openxmlformats.org/drawingml/2006/chart" xmlns:dgm="http://schemas.openxmlformats.org/drawingml/2006/diagram" xmlns:o="urn:schemas-microsoft-com:office:office" xmlns:v="urn:schemas-microsoft-com:vml" xmlns:pvml="urn:schemas-microsoft-com:office:powerpoint" xmlns:com="http://schemas.openxmlformats.org/drawingml/2006/compatibility" xmlns:p14="http://schemas.microsoft.com/office/powerpoint/2010/main" xmlns:p15="http://schemas.microsoft.com/office/powerpoint/2012/main" xmlns:ahyp="http://schemas.microsoft.com/office/drawing/2018/hyperlinkcolor">
   <p:cSld>
     <p:spTree>
       <p:nvGrpSpPr>
-        <p:cNvPr id="76" name="Shape 76"/>
+        <p:cNvPr id="83" name="Shape 83"/>
         <p:cNvGrpSpPr/>
         <p:nvPr/>
       </p:nvGrpSpPr>
@@ -6865,7 +7435,7 @@
       </p:grpSpPr>
       <p:sp>
         <p:nvSpPr>
-          <p:cNvPr id="77" name="Google Shape;77;p16"/>
+          <p:cNvPr id="84" name="Google Shape;84;p17"/>
           <p:cNvSpPr txBox="1"/>
           <p:nvPr>
             <p:ph type="title"/>
@@ -6897,7 +7467,7 @@
             </a:pPr>
             <a:r>
               <a:rPr lang="es"/>
-              <a:t>Link Github:</a:t>
+              <a:t>Conclusión - Reflexión</a:t>
             </a:r>
             <a:endParaRPr/>
           </a:p>
@@ -6905,7 +7475,7 @@
       </p:sp>
       <p:sp>
         <p:nvSpPr>
-          <p:cNvPr id="78" name="Google Shape;78;p16"/>
+          <p:cNvPr id="85" name="Google Shape;85;p17"/>
           <p:cNvSpPr txBox="1"/>
           <p:nvPr>
             <p:ph idx="1" type="body"/>
@@ -6931,6 +7501,159 @@
                 <a:spcPts val="0"/>
               </a:spcBef>
               <a:spcAft>
+                <a:spcPts val="0"/>
+              </a:spcAft>
+              <a:buNone/>
+            </a:pPr>
+            <a:r>
+              <a:rPr lang="es"/>
+              <a:t>Los agentes son una gran herramienta para el modelado de diferentes situaciones y problemas. En conjunto con herramientas </a:t>
+            </a:r>
+            <a:r>
+              <a:rPr lang="es"/>
+              <a:t>gráficas</a:t>
+            </a:r>
+            <a:r>
+              <a:rPr lang="es"/>
+              <a:t> como Unity es muy sencillo representar y simular este tipo de situaciones.</a:t>
+            </a:r>
+            <a:endParaRPr/>
+          </a:p>
+          <a:p>
+            <a:pPr indent="0" lvl="0" marL="0" rtl="0" algn="l">
+              <a:spcBef>
+                <a:spcPts val="1200"/>
+              </a:spcBef>
+              <a:spcAft>
+                <a:spcPts val="1200"/>
+              </a:spcAft>
+              <a:buNone/>
+            </a:pPr>
+            <a:r>
+              <a:rPr lang="es"/>
+              <a:t>En cuanto al trabajo en equipo mantuvimos una comunicación constante lo cual nos </a:t>
+            </a:r>
+            <a:r>
+              <a:rPr lang="es"/>
+              <a:t>ayudó</a:t>
+            </a:r>
+            <a:r>
+              <a:rPr lang="es"/>
+              <a:t> a resolver los problemas que fueron surgiendo durante la realización del proyecto. Aprendimos a aprovechar los recursos y la </a:t>
+            </a:r>
+            <a:r>
+              <a:rPr lang="es"/>
+              <a:t>documentación</a:t>
+            </a:r>
+            <a:r>
+              <a:rPr lang="es"/>
+              <a:t> que </a:t>
+            </a:r>
+            <a:r>
+              <a:rPr lang="es"/>
+              <a:t>está</a:t>
+            </a:r>
+            <a:r>
+              <a:rPr lang="es"/>
+              <a:t> disponible en internet.</a:t>
+            </a:r>
+            <a:endParaRPr/>
+          </a:p>
+        </p:txBody>
+      </p:sp>
+    </p:spTree>
+  </p:cSld>
+  <p:clrMapOvr>
+    <a:masterClrMapping/>
+  </p:clrMapOvr>
+</p:sld>
+</file>
+
+<file path=ppt/slides/slide6.xml><?xml version="1.0" encoding="utf-8"?>
+<p:sld xmlns:a="http://schemas.openxmlformats.org/drawingml/2006/main" xmlns:r="http://schemas.openxmlformats.org/officeDocument/2006/relationships" xmlns:mc="http://schemas.openxmlformats.org/markup-compatibility/2006" xmlns:mv="urn:schemas-microsoft-com:mac:vml" xmlns:p="http://schemas.openxmlformats.org/presentationml/2006/main" xmlns:c="http://schemas.openxmlformats.org/drawingml/2006/chart" xmlns:dgm="http://schemas.openxmlformats.org/drawingml/2006/diagram" xmlns:o="urn:schemas-microsoft-com:office:office" xmlns:v="urn:schemas-microsoft-com:vml" xmlns:pvml="urn:schemas-microsoft-com:office:powerpoint" xmlns:com="http://schemas.openxmlformats.org/drawingml/2006/compatibility" xmlns:p14="http://schemas.microsoft.com/office/powerpoint/2010/main" xmlns:p15="http://schemas.microsoft.com/office/powerpoint/2012/main" xmlns:ahyp="http://schemas.microsoft.com/office/drawing/2018/hyperlinkcolor">
+  <p:cSld>
+    <p:spTree>
+      <p:nvGrpSpPr>
+        <p:cNvPr id="89" name="Shape 89"/>
+        <p:cNvGrpSpPr/>
+        <p:nvPr/>
+      </p:nvGrpSpPr>
+      <p:grpSpPr>
+        <a:xfrm>
+          <a:off x="0" y="0"/>
+          <a:ext cx="0" cy="0"/>
+          <a:chOff x="0" y="0"/>
+          <a:chExt cx="0" cy="0"/>
+        </a:xfrm>
+      </p:grpSpPr>
+      <p:sp>
+        <p:nvSpPr>
+          <p:cNvPr id="90" name="Google Shape;90;p18"/>
+          <p:cNvSpPr txBox="1"/>
+          <p:nvPr>
+            <p:ph type="title"/>
+          </p:nvPr>
+        </p:nvSpPr>
+        <p:spPr>
+          <a:xfrm>
+            <a:off x="311700" y="445025"/>
+            <a:ext cx="8520600" cy="572700"/>
+          </a:xfrm>
+          <a:prstGeom prst="rect">
+            <a:avLst/>
+          </a:prstGeom>
+        </p:spPr>
+        <p:txBody>
+          <a:bodyPr anchorCtr="0" anchor="t" bIns="91425" lIns="91425" spcFirstLastPara="1" rIns="91425" wrap="square" tIns="91425">
+            <a:normAutofit fontScale="90000"/>
+          </a:bodyPr>
+          <a:lstStyle/>
+          <a:p>
+            <a:pPr indent="0" lvl="0" marL="0" rtl="0" algn="l">
+              <a:spcBef>
+                <a:spcPts val="0"/>
+              </a:spcBef>
+              <a:spcAft>
+                <a:spcPts val="0"/>
+              </a:spcAft>
+              <a:buNone/>
+            </a:pPr>
+            <a:r>
+              <a:rPr lang="es"/>
+              <a:t>Link Github:</a:t>
+            </a:r>
+            <a:endParaRPr/>
+          </a:p>
+        </p:txBody>
+      </p:sp>
+      <p:sp>
+        <p:nvSpPr>
+          <p:cNvPr id="91" name="Google Shape;91;p18"/>
+          <p:cNvSpPr txBox="1"/>
+          <p:nvPr>
+            <p:ph idx="1" type="body"/>
+          </p:nvPr>
+        </p:nvSpPr>
+        <p:spPr>
+          <a:xfrm>
+            <a:off x="311700" y="1152475"/>
+            <a:ext cx="8520600" cy="3416400"/>
+          </a:xfrm>
+          <a:prstGeom prst="rect">
+            <a:avLst/>
+          </a:prstGeom>
+        </p:spPr>
+        <p:txBody>
+          <a:bodyPr anchorCtr="0" anchor="t" bIns="91425" lIns="91425" spcFirstLastPara="1" rIns="91425" wrap="square" tIns="91425">
+            <a:normAutofit/>
+          </a:bodyPr>
+          <a:lstStyle/>
+          <a:p>
+            <a:pPr indent="0" lvl="0" marL="0" rtl="0" algn="l">
+              <a:spcBef>
+                <a:spcPts val="0"/>
+              </a:spcBef>
+              <a:spcAft>
                 <a:spcPts val="1200"/>
               </a:spcAft>
               <a:buNone/>
@@ -6951,45 +7674,123 @@
 </p:sld>
 </file>
 
+<file path=ppt/slides/slide7.xml><?xml version="1.0" encoding="utf-8"?>
+<p:sld xmlns:a="http://schemas.openxmlformats.org/drawingml/2006/main" xmlns:r="http://schemas.openxmlformats.org/officeDocument/2006/relationships" xmlns:mc="http://schemas.openxmlformats.org/markup-compatibility/2006" xmlns:mv="urn:schemas-microsoft-com:mac:vml" xmlns:p="http://schemas.openxmlformats.org/presentationml/2006/main" xmlns:c="http://schemas.openxmlformats.org/drawingml/2006/chart" xmlns:dgm="http://schemas.openxmlformats.org/drawingml/2006/diagram" xmlns:o="urn:schemas-microsoft-com:office:office" xmlns:v="urn:schemas-microsoft-com:vml" xmlns:pvml="urn:schemas-microsoft-com:office:powerpoint" xmlns:com="http://schemas.openxmlformats.org/drawingml/2006/compatibility" xmlns:p14="http://schemas.microsoft.com/office/powerpoint/2010/main" xmlns:p15="http://schemas.microsoft.com/office/powerpoint/2012/main" xmlns:ahyp="http://schemas.microsoft.com/office/drawing/2018/hyperlinkcolor">
+  <p:cSld>
+    <p:spTree>
+      <p:nvGrpSpPr>
+        <p:cNvPr id="95" name="Shape 95"/>
+        <p:cNvGrpSpPr/>
+        <p:nvPr/>
+      </p:nvGrpSpPr>
+      <p:grpSpPr>
+        <a:xfrm>
+          <a:off x="0" y="0"/>
+          <a:ext cx="0" cy="0"/>
+          <a:chOff x="0" y="0"/>
+          <a:chExt cx="0" cy="0"/>
+        </a:xfrm>
+      </p:grpSpPr>
+      <p:sp>
+        <p:nvSpPr>
+          <p:cNvPr id="96" name="Google Shape;96;p19"/>
+          <p:cNvSpPr txBox="1"/>
+          <p:nvPr>
+            <p:ph type="title"/>
+          </p:nvPr>
+        </p:nvSpPr>
+        <p:spPr>
+          <a:xfrm>
+            <a:off x="311700" y="1846950"/>
+            <a:ext cx="8520600" cy="1449600"/>
+          </a:xfrm>
+          <a:prstGeom prst="rect">
+            <a:avLst/>
+          </a:prstGeom>
+        </p:spPr>
+        <p:txBody>
+          <a:bodyPr anchorCtr="0" anchor="t" bIns="91425" lIns="91425" spcFirstLastPara="1" rIns="91425" wrap="square" tIns="91425">
+            <a:noAutofit/>
+          </a:bodyPr>
+          <a:lstStyle/>
+          <a:p>
+            <a:pPr indent="0" lvl="0" marL="0" rtl="0" algn="ctr">
+              <a:spcBef>
+                <a:spcPts val="0"/>
+              </a:spcBef>
+              <a:spcAft>
+                <a:spcPts val="0"/>
+              </a:spcAft>
+              <a:buSzPts val="990"/>
+              <a:buNone/>
+            </a:pPr>
+            <a:r>
+              <a:rPr lang="es" sz="7000"/>
+              <a:t>GRACIAS</a:t>
+            </a:r>
+            <a:r>
+              <a:rPr lang="es" sz="7000">
+                <a:solidFill>
+                  <a:srgbClr val="0000FF"/>
+                </a:solidFill>
+              </a:rPr>
+              <a:t> !</a:t>
+            </a:r>
+            <a:endParaRPr sz="7000">
+              <a:solidFill>
+                <a:srgbClr val="0000FF"/>
+              </a:solidFill>
+            </a:endParaRPr>
+          </a:p>
+        </p:txBody>
+      </p:sp>
+    </p:spTree>
+  </p:cSld>
+  <p:clrMapOvr>
+    <a:masterClrMapping/>
+  </p:clrMapOvr>
+</p:sld>
+</file>
+
 <file path=ppt/theme/theme1.xml><?xml version="1.0" encoding="utf-8"?>
-<a:theme xmlns:a="http://schemas.openxmlformats.org/drawingml/2006/main" xmlns:r="http://schemas.openxmlformats.org/officeDocument/2006/relationships" name="Slate">
+<a:theme xmlns:a="http://schemas.openxmlformats.org/drawingml/2006/main" xmlns:r="http://schemas.openxmlformats.org/officeDocument/2006/relationships" name="Spearmint">
   <a:themeElements>
-    <a:clrScheme name="Slate">
+    <a:clrScheme name="Spearmint">
       <a:dk1>
-        <a:srgbClr val="FFFFFF"/>
+        <a:srgbClr val="202729"/>
       </a:dk1>
       <a:lt1>
-        <a:srgbClr val="37474F"/>
+        <a:srgbClr val="FFFFFF"/>
       </a:lt1>
       <a:dk2>
-        <a:srgbClr val="9E9E9E"/>
+        <a:srgbClr val="4BA173"/>
       </a:dk2>
       <a:lt2>
-        <a:srgbClr val="E0E0E0"/>
+        <a:srgbClr val="63D297"/>
       </a:lt2>
       <a:accent1>
-        <a:srgbClr val="616161"/>
+        <a:srgbClr val="353744"/>
       </a:accent1>
       <a:accent2>
-        <a:srgbClr val="78909C"/>
+        <a:srgbClr val="424242"/>
       </a:accent2>
       <a:accent3>
-        <a:srgbClr val="CACACA"/>
+        <a:srgbClr val="616161"/>
       </a:accent3>
       <a:accent4>
-        <a:srgbClr val="64FFDA"/>
+        <a:srgbClr val="999999"/>
       </a:accent4>
       <a:accent5>
-        <a:srgbClr val="FFD966"/>
+        <a:srgbClr val="FF5252"/>
       </a:accent5>
       <a:accent6>
-        <a:srgbClr val="F5F5F5"/>
+        <a:srgbClr val="FFF176"/>
       </a:accent6>
       <a:hlink>
-        <a:srgbClr val="FFD966"/>
+        <a:srgbClr val="FF5252"/>
       </a:hlink>
       <a:folHlink>
-        <a:srgbClr val="FFD966"/>
+        <a:srgbClr val="FF5252"/>
       </a:folHlink>
     </a:clrScheme>
     <a:fontScheme name="Office">
